--- a/Touricana RHH Presentation FINAL.pptx
+++ b/Touricana RHH Presentation FINAL.pptx
@@ -22,8 +22,8 @@
     <p:sldId id="275" r:id="rId10"/>
     <p:sldId id="289" r:id="rId11"/>
     <p:sldId id="258" r:id="rId12"/>
-    <p:sldId id="276" r:id="rId13"/>
-    <p:sldId id="288" r:id="rId14"/>
+    <p:sldId id="291" r:id="rId13"/>
+    <p:sldId id="276" r:id="rId14"/>
     <p:sldId id="279" r:id="rId15"/>
     <p:sldId id="270" r:id="rId16"/>
   </p:sldIdLst>
@@ -892,7 +892,11 @@
           </a:bodyPr>
           <a:lstStyle/>
           <a:p>
-            <a:endParaRPr lang="en-US" altLang="en-US" smtClean="0"/>
+            <a:r>
+              <a:rPr lang="en-US" altLang="en-US" dirty="0" smtClean="0"/>
+              <a:t>We are team Touricana.</a:t>
+            </a:r>
+            <a:endParaRPr lang="en-US" altLang="en-US" dirty="0" smtClean="0"/>
           </a:p>
         </p:txBody>
       </p:sp>
@@ -1797,6 +1801,274 @@
       </p:grpSpPr>
       <p:sp>
         <p:nvSpPr>
+          <p:cNvPr id="26625" name="Slide Image Placeholder 1"/>
+          <p:cNvSpPr>
+            <a:spLocks noGrp="1" noRot="1" noChangeAspect="1"/>
+          </p:cNvSpPr>
+          <p:nvPr>
+            <p:ph type="sldImg"/>
+          </p:nvPr>
+        </p:nvSpPr>
+        <p:spPr bwMode="auto">
+          <a:noFill/>
+          <a:ln>
+            <a:solidFill>
+              <a:srgbClr val="000000"/>
+            </a:solidFill>
+            <a:miter lim="800000"/>
+            <a:headEnd/>
+            <a:tailEnd/>
+          </a:ln>
+          <a:extLst>
+            <a:ext uri="{909E8E84-426E-40dd-AFC4-6F175D3DCCD1}">
+              <a14:hiddenFill xmlns:a14="http://schemas.microsoft.com/office/drawing/2010/main">
+                <a:solidFill>
+                  <a:srgbClr val="FFFFFF"/>
+                </a:solidFill>
+              </a14:hiddenFill>
+            </a:ext>
+          </a:extLst>
+        </p:spPr>
+      </p:sp>
+      <p:sp>
+        <p:nvSpPr>
+          <p:cNvPr id="26626" name="Notes Placeholder 2"/>
+          <p:cNvSpPr>
+            <a:spLocks noGrp="1"/>
+          </p:cNvSpPr>
+          <p:nvPr>
+            <p:ph type="body" idx="1"/>
+          </p:nvPr>
+        </p:nvSpPr>
+        <p:spPr bwMode="auto">
+          <a:noFill/>
+          <a:extLst>
+            <a:ext uri="{909E8E84-426E-40dd-AFC4-6F175D3DCCD1}">
+              <a14:hiddenFill xmlns:a14="http://schemas.microsoft.com/office/drawing/2010/main">
+                <a:solidFill>
+                  <a:srgbClr val="FFFFFF"/>
+                </a:solidFill>
+              </a14:hiddenFill>
+            </a:ext>
+            <a:ext uri="{91240B29-F687-4f45-9708-019B960494DF}">
+              <a14:hiddenLine xmlns:a14="http://schemas.microsoft.com/office/drawing/2010/main" w="9525">
+                <a:solidFill>
+                  <a:srgbClr val="000000"/>
+                </a:solidFill>
+                <a:miter lim="800000"/>
+                <a:headEnd/>
+                <a:tailEnd/>
+              </a14:hiddenLine>
+            </a:ext>
+          </a:extLst>
+        </p:spPr>
+        <p:txBody>
+          <a:bodyPr wrap="square" numCol="1" anchor="t" anchorCtr="0" compatLnSpc="1">
+            <a:prstTxWarp prst="textNoShape">
+              <a:avLst/>
+            </a:prstTxWarp>
+          </a:bodyPr>
+          <a:lstStyle/>
+          <a:p>
+            <a:pPr marL="0" indent="0" eaLnBrk="1" hangingPunct="1">
+              <a:spcBef>
+                <a:spcPct val="0"/>
+              </a:spcBef>
+              <a:buFontTx/>
+              <a:buNone/>
+            </a:pPr>
+            <a:endParaRPr lang="en-US" altLang="en-US" dirty="0" smtClean="0"/>
+          </a:p>
+        </p:txBody>
+      </p:sp>
+      <p:sp>
+        <p:nvSpPr>
+          <p:cNvPr id="26627" name="Slide Number Placeholder 3"/>
+          <p:cNvSpPr>
+            <a:spLocks noGrp="1"/>
+          </p:cNvSpPr>
+          <p:nvPr>
+            <p:ph type="sldNum" sz="quarter" idx="5"/>
+          </p:nvPr>
+        </p:nvSpPr>
+        <p:spPr bwMode="auto">
+          <a:noFill/>
+          <a:extLst>
+            <a:ext uri="{909E8E84-426E-40dd-AFC4-6F175D3DCCD1}">
+              <a14:hiddenFill xmlns:a14="http://schemas.microsoft.com/office/drawing/2010/main">
+                <a:solidFill>
+                  <a:srgbClr val="FFFFFF"/>
+                </a:solidFill>
+              </a14:hiddenFill>
+            </a:ext>
+            <a:ext uri="{91240B29-F687-4f45-9708-019B960494DF}">
+              <a14:hiddenLine xmlns:a14="http://schemas.microsoft.com/office/drawing/2010/main" w="9525">
+                <a:solidFill>
+                  <a:srgbClr val="000000"/>
+                </a:solidFill>
+                <a:miter lim="800000"/>
+                <a:headEnd/>
+                <a:tailEnd/>
+              </a14:hiddenLine>
+            </a:ext>
+          </a:extLst>
+        </p:spPr>
+        <p:txBody>
+          <a:bodyPr/>
+          <a:lstStyle>
+            <a:lvl1pPr eaLnBrk="0" hangingPunct="0">
+              <a:defRPr sz="2400">
+                <a:solidFill>
+                  <a:schemeClr val="tx1"/>
+                </a:solidFill>
+                <a:latin typeface="Trebuchet MS" panose="020B0603020202020204" pitchFamily="34" charset="0"/>
+                <a:ea typeface="MS PGothic" panose="020B0600070205080204" pitchFamily="34" charset="-128"/>
+              </a:defRPr>
+            </a:lvl1pPr>
+            <a:lvl2pPr marL="742950" indent="-285750" eaLnBrk="0" hangingPunct="0">
+              <a:defRPr sz="2400">
+                <a:solidFill>
+                  <a:schemeClr val="tx1"/>
+                </a:solidFill>
+                <a:latin typeface="Trebuchet MS" panose="020B0603020202020204" pitchFamily="34" charset="0"/>
+                <a:ea typeface="MS PGothic" panose="020B0600070205080204" pitchFamily="34" charset="-128"/>
+              </a:defRPr>
+            </a:lvl2pPr>
+            <a:lvl3pPr marL="1143000" indent="-228600" eaLnBrk="0" hangingPunct="0">
+              <a:defRPr sz="2400">
+                <a:solidFill>
+                  <a:schemeClr val="tx1"/>
+                </a:solidFill>
+                <a:latin typeface="Trebuchet MS" panose="020B0603020202020204" pitchFamily="34" charset="0"/>
+                <a:ea typeface="MS PGothic" panose="020B0600070205080204" pitchFamily="34" charset="-128"/>
+              </a:defRPr>
+            </a:lvl3pPr>
+            <a:lvl4pPr marL="1600200" indent="-228600" eaLnBrk="0" hangingPunct="0">
+              <a:defRPr sz="2400">
+                <a:solidFill>
+                  <a:schemeClr val="tx1"/>
+                </a:solidFill>
+                <a:latin typeface="Trebuchet MS" panose="020B0603020202020204" pitchFamily="34" charset="0"/>
+                <a:ea typeface="MS PGothic" panose="020B0600070205080204" pitchFamily="34" charset="-128"/>
+              </a:defRPr>
+            </a:lvl4pPr>
+            <a:lvl5pPr marL="2057400" indent="-228600" eaLnBrk="0" hangingPunct="0">
+              <a:defRPr sz="2400">
+                <a:solidFill>
+                  <a:schemeClr val="tx1"/>
+                </a:solidFill>
+                <a:latin typeface="Trebuchet MS" panose="020B0603020202020204" pitchFamily="34" charset="0"/>
+                <a:ea typeface="MS PGothic" panose="020B0600070205080204" pitchFamily="34" charset="-128"/>
+              </a:defRPr>
+            </a:lvl5pPr>
+            <a:lvl6pPr marL="2514600" indent="-228600" defTabSz="457200" eaLnBrk="0" fontAlgn="base" hangingPunct="0">
+              <a:spcBef>
+                <a:spcPct val="0"/>
+              </a:spcBef>
+              <a:spcAft>
+                <a:spcPct val="0"/>
+              </a:spcAft>
+              <a:defRPr sz="2400">
+                <a:solidFill>
+                  <a:schemeClr val="tx1"/>
+                </a:solidFill>
+                <a:latin typeface="Trebuchet MS" panose="020B0603020202020204" pitchFamily="34" charset="0"/>
+                <a:ea typeface="MS PGothic" panose="020B0600070205080204" pitchFamily="34" charset="-128"/>
+              </a:defRPr>
+            </a:lvl6pPr>
+            <a:lvl7pPr marL="2971800" indent="-228600" defTabSz="457200" eaLnBrk="0" fontAlgn="base" hangingPunct="0">
+              <a:spcBef>
+                <a:spcPct val="0"/>
+              </a:spcBef>
+              <a:spcAft>
+                <a:spcPct val="0"/>
+              </a:spcAft>
+              <a:defRPr sz="2400">
+                <a:solidFill>
+                  <a:schemeClr val="tx1"/>
+                </a:solidFill>
+                <a:latin typeface="Trebuchet MS" panose="020B0603020202020204" pitchFamily="34" charset="0"/>
+                <a:ea typeface="MS PGothic" panose="020B0600070205080204" pitchFamily="34" charset="-128"/>
+              </a:defRPr>
+            </a:lvl7pPr>
+            <a:lvl8pPr marL="3429000" indent="-228600" defTabSz="457200" eaLnBrk="0" fontAlgn="base" hangingPunct="0">
+              <a:spcBef>
+                <a:spcPct val="0"/>
+              </a:spcBef>
+              <a:spcAft>
+                <a:spcPct val="0"/>
+              </a:spcAft>
+              <a:defRPr sz="2400">
+                <a:solidFill>
+                  <a:schemeClr val="tx1"/>
+                </a:solidFill>
+                <a:latin typeface="Trebuchet MS" panose="020B0603020202020204" pitchFamily="34" charset="0"/>
+                <a:ea typeface="MS PGothic" panose="020B0600070205080204" pitchFamily="34" charset="-128"/>
+              </a:defRPr>
+            </a:lvl8pPr>
+            <a:lvl9pPr marL="3886200" indent="-228600" defTabSz="457200" eaLnBrk="0" fontAlgn="base" hangingPunct="0">
+              <a:spcBef>
+                <a:spcPct val="0"/>
+              </a:spcBef>
+              <a:spcAft>
+                <a:spcPct val="0"/>
+              </a:spcAft>
+              <a:defRPr sz="2400">
+                <a:solidFill>
+                  <a:schemeClr val="tx1"/>
+                </a:solidFill>
+                <a:latin typeface="Trebuchet MS" panose="020B0603020202020204" pitchFamily="34" charset="0"/>
+                <a:ea typeface="MS PGothic" panose="020B0600070205080204" pitchFamily="34" charset="-128"/>
+              </a:defRPr>
+            </a:lvl9pPr>
+          </a:lstStyle>
+          <a:p>
+            <a:pPr eaLnBrk="1" hangingPunct="1"/>
+            <a:fld id="{3D4B5616-DA4E-4598-9808-D64E28A3B5EC}" type="slidenum">
+              <a:rPr lang="en-US" altLang="en-US" sz="1200">
+                <a:latin typeface="Calibri" panose="020F0502020204030204" pitchFamily="34" charset="0"/>
+              </a:rPr>
+              <a:pPr eaLnBrk="1" hangingPunct="1"/>
+              <a:t>12</a:t>
+            </a:fld>
+            <a:endParaRPr lang="en-US" altLang="en-US" sz="1200">
+              <a:latin typeface="Calibri" panose="020F0502020204030204" pitchFamily="34" charset="0"/>
+            </a:endParaRPr>
+          </a:p>
+        </p:txBody>
+      </p:sp>
+    </p:spTree>
+    <p:extLst>
+      <p:ext uri="{BB962C8B-B14F-4D97-AF65-F5344CB8AC3E}">
+        <p14:creationId xmlns:p14="http://schemas.microsoft.com/office/powerpoint/2010/main" val="1107504718"/>
+      </p:ext>
+    </p:extLst>
+  </p:cSld>
+  <p:clrMapOvr>
+    <a:masterClrMapping/>
+  </p:clrMapOvr>
+</p:notes>
+</file>
+
+<file path=ppt/notesSlides/notesSlide13.xml><?xml version="1.0" encoding="utf-8"?>
+<p:notes xmlns:a="http://schemas.openxmlformats.org/drawingml/2006/main" xmlns:r="http://schemas.openxmlformats.org/officeDocument/2006/relationships" xmlns:p="http://schemas.openxmlformats.org/presentationml/2006/main">
+  <p:cSld>
+    <p:spTree>
+      <p:nvGrpSpPr>
+        <p:cNvPr id="1" name=""/>
+        <p:cNvGrpSpPr/>
+        <p:nvPr/>
+      </p:nvGrpSpPr>
+      <p:grpSpPr>
+        <a:xfrm>
+          <a:off x="0" y="0"/>
+          <a:ext cx="0" cy="0"/>
+          <a:chOff x="0" y="0"/>
+          <a:chExt cx="0" cy="0"/>
+        </a:xfrm>
+      </p:grpSpPr>
+      <p:sp>
+        <p:nvSpPr>
           <p:cNvPr id="2" name="Slide Image Placeholder 1"/>
           <p:cNvSpPr>
             <a:spLocks noGrp="1" noRot="1" noChangeAspect="1"/>
@@ -1867,7 +2139,7 @@
             <a:fld id="{4AD5A345-5AAA-4115-A93C-05D34B8929E3}" type="slidenum">
               <a:rPr lang="en-US" altLang="en-US" smtClean="0"/>
               <a:pPr/>
-              <a:t>12</a:t>
+              <a:t>13</a:t>
             </a:fld>
             <a:endParaRPr lang="en-US" altLang="en-US"/>
           </a:p>
@@ -1886,7 +2158,7 @@
 </p:notes>
 </file>
 
-<file path=ppt/notesSlides/notesSlide13.xml><?xml version="1.0" encoding="utf-8"?>
+<file path=ppt/notesSlides/notesSlide14.xml><?xml version="1.0" encoding="utf-8"?>
 <p:notes xmlns:a="http://schemas.openxmlformats.org/drawingml/2006/main" xmlns:r="http://schemas.openxmlformats.org/officeDocument/2006/relationships" xmlns:p="http://schemas.openxmlformats.org/presentationml/2006/main">
   <p:cSld>
     <p:spTree>
@@ -2173,49 +2445,87 @@
             <a:pPr marL="0" indent="0">
               <a:buNone/>
             </a:pPr>
-            <a:r>
-              <a:rPr lang="en-US" altLang="en-US" dirty="0" smtClean="0"/>
-              <a:t>Problem:</a:t>
-            </a:r>
+            <a:endParaRPr lang="en-US" altLang="en-US" dirty="0" smtClean="0"/>
           </a:p>
           <a:p>
             <a:pPr marL="0" indent="0">
               <a:buNone/>
             </a:pPr>
-            <a:r>
-              <a:rPr lang="en-US" altLang="en-US" dirty="0" smtClean="0"/>
-              <a:t>History centers and other community organizations are confined within their walls and lack the resources to utilize mobile technology on their own</a:t>
-            </a:r>
+            <a:endParaRPr lang="en-US" altLang="en-US" dirty="0" smtClean="0"/>
           </a:p>
           <a:p>
             <a:pPr marL="0" indent="0">
               <a:buNone/>
             </a:pPr>
-            <a:r>
-              <a:rPr lang="en-US" altLang="en-US" dirty="0" smtClean="0"/>
-              <a:t>Visitors traveling in a new area are under informed about local history and attractions and there is no single place to go to get that information</a:t>
-            </a:r>
+            <a:endParaRPr lang="en-US" altLang="en-US" dirty="0" smtClean="0"/>
           </a:p>
           <a:p>
             <a:pPr marL="0" indent="0">
               <a:buNone/>
             </a:pPr>
-            <a:r>
-              <a:rPr lang="en-US" altLang="en-US" dirty="0" smtClean="0"/>
-              <a:t>Solution:</a:t>
-            </a:r>
+            <a:endParaRPr lang="en-US" altLang="en-US" dirty="0" smtClean="0"/>
           </a:p>
           <a:p>
             <a:pPr marL="0" indent="0">
               <a:buNone/>
             </a:pPr>
-            <a:r>
-              <a:rPr lang="en-US" dirty="0" err="1" smtClean="0"/>
-              <a:t>Touricana</a:t>
-            </a:r>
+            <a:endParaRPr lang="en-US" altLang="en-US" dirty="0" smtClean="0"/>
+          </a:p>
+          <a:p>
+            <a:pPr marL="0" indent="0">
+              <a:buNone/>
+            </a:pPr>
+            <a:endParaRPr lang="en-US" altLang="en-US" dirty="0" smtClean="0"/>
+          </a:p>
+          <a:p>
+            <a:pPr marL="0" indent="0">
+              <a:buNone/>
+            </a:pPr>
+            <a:endParaRPr lang="en-US" altLang="en-US" dirty="0" smtClean="0"/>
+          </a:p>
+          <a:p>
+            <a:pPr marL="0" indent="0">
+              <a:buNone/>
+            </a:pPr>
+            <a:r>
+              <a:rPr lang="en-US" altLang="en-US" dirty="0" smtClean="0"/>
+              <a:t>Problem:</a:t>
+            </a:r>
+          </a:p>
+          <a:p>
+            <a:pPr marL="0" indent="0">
+              <a:buNone/>
+            </a:pPr>
+            <a:r>
+              <a:rPr lang="en-US" altLang="en-US" dirty="0" smtClean="0"/>
+              <a:t>History centers and other community organizations are confined within their walls and lack the resources to utilize mobile technology on their own</a:t>
+            </a:r>
+          </a:p>
+          <a:p>
+            <a:pPr marL="0" indent="0">
+              <a:buNone/>
+            </a:pPr>
+            <a:r>
+              <a:rPr lang="en-US" altLang="en-US" dirty="0" smtClean="0"/>
+              <a:t>Visitors traveling in a new area are under informed about local history and attractions and there is no single place to go to get that information</a:t>
+            </a:r>
+          </a:p>
+          <a:p>
+            <a:pPr marL="0" indent="0">
+              <a:buNone/>
+            </a:pPr>
+            <a:r>
+              <a:rPr lang="en-US" altLang="en-US" dirty="0" smtClean="0"/>
+              <a:t>Solution:</a:t>
+            </a:r>
+          </a:p>
+          <a:p>
+            <a:pPr marL="0" indent="0">
+              <a:buNone/>
+            </a:pPr>
             <a:r>
               <a:rPr lang="en-US" dirty="0" smtClean="0"/>
-              <a:t> provides a universal platform to allow local governments, historical societies, and museums to engage with visitors outside their walls with a dynamic location driven experience.</a:t>
+              <a:t>Touricana provides a universal platform to allow local governments, historical societies, and museums to engage with visitors outside their walls with a dynamic location driven experience.</a:t>
             </a:r>
           </a:p>
           <a:p>
@@ -2592,7 +2902,7 @@
             </a:pPr>
             <a:r>
               <a:rPr lang="en-US" altLang="en-US" baseline="0" dirty="0" smtClean="0"/>
-              <a:t>There’s no way to Google ”What would I love in Red Wing, MN?” Existing solutions, even location-based ones like Yelp, require searching by each specific interest. This is not only time-intensive, but with all the behind-the-curtain forces determining what we are shown online, it can be incomplete and unreliable, or simply not have the visitor’s experience as a priority. </a:t>
+              <a:t>There’s no way to Google ”What would I love in Red Wing, MN?” Existing solutions, even location-based ones like Yelp, require searching by each specific interest. This is not only time-intensive, but with all the behind-the-curtain forces determining what we see online, it can be unreliable, or simply not have the visitor’s experience as a priority. </a:t>
             </a:r>
           </a:p>
           <a:p>
@@ -2697,12 +3007,8 @@
               <a:buNone/>
             </a:pPr>
             <a:r>
-              <a:rPr lang="en-US" dirty="0" err="1" smtClean="0"/>
-              <a:t>Touricana</a:t>
-            </a:r>
-            <a:r>
               <a:rPr lang="en-US" dirty="0" smtClean="0"/>
-              <a:t> provides a universal platform to allow local governments, historical societies, and museums to engage with visitors outside their walls with a dynamic location driven experience.</a:t>
+              <a:t>Touricana provides a universal platform to allow local governments, historical societies, and museums to engage with visitors outside their walls with a dynamic location driven experience.</a:t>
             </a:r>
           </a:p>
           <a:p>
@@ -2932,7 +3238,11 @@
           <a:p>
             <a:r>
               <a:rPr lang="en-US" dirty="0" smtClean="0"/>
-              <a:t>The app is designed to accommodate visitors with a variety of needs, interests and contexts.</a:t>
+              <a:t>The app is designed to engage visitors with a variety of needs, interests and contexts.</a:t>
+            </a:r>
+            <a:r>
+              <a:rPr lang="en-US" baseline="0" dirty="0" smtClean="0"/>
+              <a:t> </a:t>
             </a:r>
             <a:endParaRPr lang="en-US" dirty="0"/>
           </a:p>
@@ -6855,7 +7165,7 @@
           <a:p>
             <a:pPr algn="r"/>
             <a:r>
-              <a:rPr lang="en-US" sz="2000" dirty="0" err="1" smtClean="0">
+              <a:rPr lang="en-US" sz="2000" dirty="0" smtClean="0">
                 <a:latin typeface="Marker Felt"/>
                 <a:cs typeface="Marker Felt"/>
               </a:rPr>
@@ -7294,10 +7604,12 @@
           <a:p>
             <a:pPr algn="ctr"/>
             <a:r>
-              <a:rPr lang="en-US" altLang="en-US" dirty="0" err="1" smtClean="0">
+              <a:rPr lang="en-US" altLang="en-US" dirty="0" smtClean="0">
                 <a:solidFill>
                   <a:srgbClr val="CB001A"/>
                 </a:solidFill>
+                <a:latin typeface="Marker Felt"/>
+                <a:cs typeface="Marker Felt"/>
               </a:rPr>
               <a:t>Touricana</a:t>
             </a:r>
@@ -7579,6 +7891,12 @@
           <a:lstStyle/>
           <a:p>
             <a:pPr>
+              <a:spcBef>
+                <a:spcPts val="200"/>
+              </a:spcBef>
+              <a:spcAft>
+                <a:spcPts val="400"/>
+              </a:spcAft>
               <a:tabLst>
                 <a:tab pos="625475" algn="l"/>
               </a:tabLst>
@@ -7650,6 +7968,12 @@
           </a:p>
           <a:p>
             <a:pPr>
+              <a:spcBef>
+                <a:spcPts val="200"/>
+              </a:spcBef>
+              <a:spcAft>
+                <a:spcPts val="400"/>
+              </a:spcAft>
               <a:tabLst>
                 <a:tab pos="625475" algn="l"/>
               </a:tabLst>
@@ -7766,7 +8090,7 @@
         </p:spPr>
         <p:txBody>
           <a:bodyPr>
-            <a:normAutofit fontScale="77500" lnSpcReduction="20000"/>
+            <a:normAutofit fontScale="70000" lnSpcReduction="20000"/>
           </a:bodyPr>
           <a:lstStyle/>
           <a:p>
@@ -7774,6 +8098,9 @@
               <a:lnSpc>
                 <a:spcPct val="150000"/>
               </a:lnSpc>
+              <a:spcAft>
+                <a:spcPts val="200"/>
+              </a:spcAft>
             </a:pPr>
             <a:r>
               <a:rPr lang="en-US" altLang="en-US" sz="3600" dirty="0" smtClean="0"/>
@@ -7790,10 +8117,27 @@
               <a:lnSpc>
                 <a:spcPct val="150000"/>
               </a:lnSpc>
+              <a:spcAft>
+                <a:spcPts val="200"/>
+              </a:spcAft>
             </a:pPr>
             <a:r>
               <a:rPr lang="en-US" altLang="en-US" sz="3600" dirty="0" smtClean="0"/>
               <a:t> Visitor Interface</a:t>
+            </a:r>
+          </a:p>
+          <a:p>
+            <a:pPr marL="808355" lvl="2" indent="-425450">
+              <a:lnSpc>
+                <a:spcPct val="120000"/>
+              </a:lnSpc>
+              <a:spcAft>
+                <a:spcPts val="200"/>
+              </a:spcAft>
+            </a:pPr>
+            <a:r>
+              <a:rPr lang="en-US" altLang="en-US" sz="2900" dirty="0" smtClean="0"/>
+              <a:t>Profile and preferences</a:t>
             </a:r>
           </a:p>
           <a:p>
@@ -7801,10 +8145,13 @@
               <a:lnSpc>
                 <a:spcPct val="150000"/>
               </a:lnSpc>
+              <a:spcAft>
+                <a:spcPts val="200"/>
+              </a:spcAft>
             </a:pPr>
             <a:r>
-              <a:rPr lang="en-US" altLang="en-US" sz="2400" dirty="0" smtClean="0"/>
-              <a:t>Profile and preferences</a:t>
+              <a:rPr lang="en-US" altLang="en-US" sz="2900" dirty="0" smtClean="0"/>
+              <a:t>City-level</a:t>
             </a:r>
           </a:p>
           <a:p>
@@ -7812,10 +8159,13 @@
               <a:lnSpc>
                 <a:spcPct val="150000"/>
               </a:lnSpc>
+              <a:spcAft>
+                <a:spcPts val="200"/>
+              </a:spcAft>
             </a:pPr>
             <a:r>
-              <a:rPr lang="en-US" altLang="en-US" sz="2400" dirty="0" smtClean="0"/>
-              <a:t>City-level</a:t>
+              <a:rPr lang="en-US" altLang="en-US" sz="2900" dirty="0" smtClean="0"/>
+              <a:t>Location-level</a:t>
             </a:r>
           </a:p>
           <a:p>
@@ -7823,10 +8173,55 @@
               <a:lnSpc>
                 <a:spcPct val="150000"/>
               </a:lnSpc>
+              <a:spcAft>
+                <a:spcPts val="200"/>
+              </a:spcAft>
             </a:pPr>
             <a:r>
-              <a:rPr lang="en-US" altLang="en-US" sz="2400" dirty="0" smtClean="0"/>
-              <a:t>Location-level</a:t>
+              <a:rPr lang="en-US" altLang="en-US" sz="2900" dirty="0" smtClean="0"/>
+              <a:t>Tour level</a:t>
+            </a:r>
+          </a:p>
+          <a:p>
+            <a:pPr lvl="1">
+              <a:lnSpc>
+                <a:spcPct val="150000"/>
+              </a:lnSpc>
+              <a:spcAft>
+                <a:spcPts val="200"/>
+              </a:spcAft>
+            </a:pPr>
+            <a:r>
+              <a:rPr lang="en-US" altLang="en-US" sz="3600" dirty="0"/>
+              <a:t> Non-offensive notifications</a:t>
+            </a:r>
+          </a:p>
+          <a:p>
+            <a:pPr marL="742950" lvl="2" indent="-352425">
+              <a:lnSpc>
+                <a:spcPct val="150000"/>
+              </a:lnSpc>
+              <a:spcAft>
+                <a:spcPts val="200"/>
+              </a:spcAft>
+            </a:pPr>
+            <a:r>
+              <a:rPr lang="en-US" altLang="en-US" sz="2900" dirty="0"/>
+              <a:t>Users alerted to nearby points of interest</a:t>
+            </a:r>
+          </a:p>
+          <a:p>
+            <a:pPr marL="742950" lvl="2" indent="-352425">
+              <a:lnSpc>
+                <a:spcPct val="150000"/>
+              </a:lnSpc>
+              <a:spcAft>
+                <a:spcPts val="200"/>
+              </a:spcAft>
+            </a:pPr>
+            <a:r>
+              <a:rPr lang="en-US" altLang="en-US" sz="2900" dirty="0"/>
+              <a:t>Opt-in</a:t>
             </a:r>
           </a:p>
           <a:p>
@@ -7834,44 +8229,20 @@
               <a:lnSpc>
                 <a:spcPct val="150000"/>
               </a:lnSpc>
+              <a:spcAft>
+                <a:spcPts val="200"/>
+              </a:spcAft>
             </a:pPr>
-            <a:r>
-              <a:rPr lang="en-US" altLang="en-US" sz="2400" dirty="0" smtClean="0"/>
-              <a:t>Tour level</a:t>
-            </a:r>
             <a:endParaRPr lang="en-US" altLang="en-US" sz="2400" dirty="0" smtClean="0"/>
-          </a:p>
-          <a:p>
-            <a:pPr lvl="1" eaLnBrk="1" hangingPunct="1">
-              <a:lnSpc>
-                <a:spcPct val="150000"/>
-              </a:lnSpc>
-            </a:pPr>
-            <a:r>
-              <a:rPr lang="en-US" altLang="en-US" sz="3600" dirty="0" smtClean="0"/>
-              <a:t> Non-offensive notifications</a:t>
-            </a:r>
-          </a:p>
-          <a:p>
-            <a:pPr marL="742950" lvl="2" indent="-352425">
-              <a:lnSpc>
-                <a:spcPct val="150000"/>
-              </a:lnSpc>
-            </a:pPr>
-            <a:r>
-              <a:rPr lang="en-US" altLang="en-US" sz="3200" dirty="0"/>
-              <a:t>P</a:t>
-            </a:r>
-            <a:r>
-              <a:rPr lang="en-US" altLang="en-US" sz="3200" dirty="0" smtClean="0"/>
-              <a:t>references</a:t>
-            </a:r>
           </a:p>
           <a:p>
             <a:pPr lvl="2">
               <a:lnSpc>
                 <a:spcPct val="150000"/>
               </a:lnSpc>
+              <a:spcAft>
+                <a:spcPts val="200"/>
+              </a:spcAft>
             </a:pPr>
             <a:endParaRPr lang="en-US" altLang="en-US" sz="3200" dirty="0" smtClean="0"/>
           </a:p>
@@ -7911,7 +8282,7 @@
       </p:grpSpPr>
       <p:sp>
         <p:nvSpPr>
-          <p:cNvPr id="27649" name="Title 1"/>
+          <p:cNvPr id="25601" name="Title 1"/>
           <p:cNvSpPr>
             <a:spLocks noGrp="1"/>
           </p:cNvSpPr>
@@ -7924,16 +8295,17 @@
           <a:bodyPr/>
           <a:lstStyle/>
           <a:p>
+            <a:pPr eaLnBrk="1" hangingPunct="1"/>
             <a:r>
               <a:rPr lang="en-US" altLang="en-US" dirty="0" smtClean="0"/>
-              <a:t> Unique Value Added</a:t>
-            </a:r>
-          </a:p>
-        </p:txBody>
-      </p:sp>
-      <p:sp>
-        <p:nvSpPr>
-          <p:cNvPr id="27650" name="Content Placeholder 2"/>
+              <a:t>Project / Application Details </a:t>
+            </a:r>
+          </a:p>
+        </p:txBody>
+      </p:sp>
+      <p:sp>
+        <p:nvSpPr>
+          <p:cNvPr id="25602" name="Content Placeholder 2"/>
           <p:cNvSpPr>
             <a:spLocks noGrp="1"/>
           </p:cNvSpPr>
@@ -7941,50 +8313,33 @@
             <p:ph idx="1"/>
           </p:nvPr>
         </p:nvSpPr>
-        <p:spPr/>
+        <p:spPr>
+          <a:xfrm>
+            <a:off x="1065896" y="1680307"/>
+            <a:ext cx="10082175" cy="4474307"/>
+          </a:xfrm>
+        </p:spPr>
         <p:txBody>
           <a:bodyPr>
             <a:normAutofit/>
           </a:bodyPr>
           <a:lstStyle/>
           <a:p>
-            <a:r>
-              <a:rPr lang="en-US" altLang="en-US" sz="4000" dirty="0" smtClean="0"/>
-              <a:t>With </a:t>
-            </a:r>
-            <a:r>
-              <a:rPr lang="en-US" altLang="en-US" sz="4000" b="1" dirty="0" smtClean="0"/>
-              <a:t>minimal overhead</a:t>
-            </a:r>
-            <a:r>
-              <a:rPr lang="en-US" altLang="en-US" sz="4000" dirty="0" smtClean="0"/>
-              <a:t>, community stakeholders </a:t>
-            </a:r>
-            <a:r>
-              <a:rPr lang="en-US" altLang="en-US" sz="4000" dirty="0"/>
-              <a:t>can </a:t>
-            </a:r>
-            <a:r>
-              <a:rPr lang="en-US" altLang="en-US" sz="4000" dirty="0" smtClean="0"/>
-              <a:t>provide visitors with a </a:t>
-            </a:r>
-            <a:r>
-              <a:rPr lang="en-US" altLang="en-US" sz="4000" b="1" dirty="0" smtClean="0"/>
-              <a:t>location-driven, </a:t>
-            </a:r>
-            <a:r>
-              <a:rPr lang="en-US" altLang="en-US" sz="4000" b="1" dirty="0" smtClean="0"/>
-              <a:t>preference-driven, c</a:t>
-            </a:r>
-            <a:r>
-              <a:rPr lang="en-US" altLang="en-US" sz="4000" b="1" dirty="0" smtClean="0"/>
-              <a:t>urated experience. </a:t>
-            </a:r>
-            <a:endParaRPr lang="en-US" altLang="en-US" sz="1800" b="1" dirty="0" smtClean="0"/>
+            <a:pPr lvl="1">
+              <a:lnSpc>
+                <a:spcPct val="150000"/>
+              </a:lnSpc>
+            </a:pPr>
+            <a:endParaRPr lang="en-US" altLang="en-US" sz="3200" dirty="0"/>
           </a:p>
         </p:txBody>
       </p:sp>
     </p:spTree>
+    <p:extLst>
+      <p:ext uri="{BB962C8B-B14F-4D97-AF65-F5344CB8AC3E}">
+        <p14:creationId xmlns:p14="http://schemas.microsoft.com/office/powerpoint/2010/main" val="3538673456"/>
+      </p:ext>
+    </p:extLst>
   </p:cSld>
   <p:clrMapOvr>
     <a:masterClrMapping/>
@@ -8018,7 +8373,7 @@
       </p:grpSpPr>
       <p:sp>
         <p:nvSpPr>
-          <p:cNvPr id="2" name="Title 1"/>
+          <p:cNvPr id="27649" name="Title 1"/>
           <p:cNvSpPr>
             <a:spLocks noGrp="1"/>
           </p:cNvSpPr>
@@ -8026,216 +8381,88 @@
             <p:ph type="title"/>
           </p:nvPr>
         </p:nvSpPr>
-        <p:spPr>
-          <a:xfrm>
-            <a:off x="0" y="156309"/>
-            <a:ext cx="11155680" cy="722922"/>
-          </a:xfrm>
-        </p:spPr>
+        <p:spPr/>
+        <p:txBody>
+          <a:bodyPr/>
+          <a:lstStyle/>
+          <a:p>
+            <a:r>
+              <a:rPr lang="en-US" altLang="en-US" dirty="0" smtClean="0"/>
+              <a:t> Unique Value Added</a:t>
+            </a:r>
+          </a:p>
+        </p:txBody>
+      </p:sp>
+      <p:sp>
+        <p:nvSpPr>
+          <p:cNvPr id="27650" name="Content Placeholder 2"/>
+          <p:cNvSpPr>
+            <a:spLocks noGrp="1"/>
+          </p:cNvSpPr>
+          <p:nvPr>
+            <p:ph idx="1"/>
+          </p:nvPr>
+        </p:nvSpPr>
+        <p:spPr/>
         <p:txBody>
           <a:bodyPr>
             <a:normAutofit/>
           </a:bodyPr>
           <a:lstStyle/>
           <a:p>
-            <a:r>
-              <a:rPr lang="en-US" altLang="en-US" dirty="0"/>
-              <a:t> </a:t>
-            </a:r>
-            <a:r>
-              <a:rPr lang="en-US" altLang="en-US" dirty="0" smtClean="0"/>
-              <a:t> Unique </a:t>
-            </a:r>
-            <a:r>
-              <a:rPr lang="en-US" altLang="en-US" dirty="0"/>
-              <a:t>Value Added</a:t>
-            </a:r>
-            <a:endParaRPr lang="en-US" dirty="0"/>
-          </a:p>
-        </p:txBody>
-      </p:sp>
-      <p:sp>
-        <p:nvSpPr>
-          <p:cNvPr id="3" name="Text Placeholder 2"/>
-          <p:cNvSpPr>
-            <a:spLocks noGrp="1"/>
-          </p:cNvSpPr>
-          <p:nvPr>
-            <p:ph type="body" idx="1"/>
-          </p:nvPr>
-        </p:nvSpPr>
-        <p:spPr/>
-        <p:txBody>
-          <a:bodyPr>
-            <a:normAutofit lnSpcReduction="10000"/>
-          </a:bodyPr>
-          <a:lstStyle/>
-          <a:p>
-            <a:r>
-              <a:rPr lang="en-US" sz="2400" b="1" dirty="0" smtClean="0"/>
-              <a:t>COMMUNITY STAKEHOLDERS	</a:t>
-            </a:r>
-            <a:endParaRPr lang="en-US" sz="2400" b="1" dirty="0"/>
-          </a:p>
-        </p:txBody>
-      </p:sp>
-      <p:sp>
-        <p:nvSpPr>
-          <p:cNvPr id="4" name="Content Placeholder 3"/>
-          <p:cNvSpPr>
-            <a:spLocks noGrp="1"/>
-          </p:cNvSpPr>
-          <p:nvPr>
-            <p:ph sz="half" idx="2"/>
-          </p:nvPr>
-        </p:nvSpPr>
-        <p:spPr/>
-        <p:txBody>
-          <a:bodyPr>
-            <a:normAutofit/>
-          </a:bodyPr>
-          <a:lstStyle/>
-          <a:p>
-            <a:pPr marL="449263" lvl="1" indent="-249238"/>
-            <a:r>
-              <a:rPr lang="en-US" altLang="en-US" sz="2400" dirty="0"/>
-              <a:t>Unified </a:t>
-            </a:r>
-            <a:r>
-              <a:rPr lang="en-US" altLang="en-US" sz="2400" dirty="0" smtClean="0"/>
-              <a:t>Platform</a:t>
-            </a:r>
-            <a:endParaRPr lang="en-US" altLang="en-US" sz="2400" dirty="0"/>
-          </a:p>
-          <a:p>
-            <a:pPr marL="449263" lvl="1" indent="-249238"/>
-            <a:r>
-              <a:rPr lang="en-US" altLang="en-US" sz="2400" dirty="0"/>
-              <a:t>L</a:t>
-            </a:r>
-            <a:r>
-              <a:rPr lang="en-US" altLang="en-US" sz="2400" dirty="0" smtClean="0"/>
-              <a:t>ow </a:t>
-            </a:r>
-            <a:r>
-              <a:rPr lang="en-US" altLang="en-US" sz="2400" dirty="0"/>
-              <a:t>barrier to </a:t>
-            </a:r>
-            <a:r>
-              <a:rPr lang="en-US" altLang="en-US" sz="2400" dirty="0" smtClean="0"/>
-              <a:t>entry</a:t>
-            </a:r>
-          </a:p>
-          <a:p>
-            <a:pPr marL="449263" lvl="1" indent="-249238"/>
-            <a:r>
-              <a:rPr lang="en-US" altLang="en-US" sz="2400" dirty="0"/>
-              <a:t>Promotes a deeper relationship with the </a:t>
-            </a:r>
-            <a:r>
-              <a:rPr lang="en-US" altLang="en-US" sz="2400" dirty="0" smtClean="0"/>
-              <a:t>community</a:t>
-            </a:r>
-          </a:p>
-        </p:txBody>
-      </p:sp>
-      <p:sp>
-        <p:nvSpPr>
-          <p:cNvPr id="5" name="Text Placeholder 4"/>
-          <p:cNvSpPr>
-            <a:spLocks noGrp="1"/>
-          </p:cNvSpPr>
-          <p:nvPr>
-            <p:ph type="body" sz="quarter" idx="3"/>
-          </p:nvPr>
-        </p:nvSpPr>
-        <p:spPr>
-          <a:xfrm>
-            <a:off x="6217920" y="1524001"/>
-            <a:ext cx="4937760" cy="1058334"/>
-          </a:xfrm>
-        </p:spPr>
-        <p:txBody>
-          <a:bodyPr>
-            <a:normAutofit/>
-          </a:bodyPr>
-          <a:lstStyle/>
-          <a:p>
-            <a:r>
-              <a:rPr lang="en-US" sz="2400" b="1" dirty="0" smtClean="0"/>
-              <a:t>VISITORS</a:t>
-            </a:r>
-            <a:endParaRPr lang="en-US" sz="2400" b="1" dirty="0"/>
-          </a:p>
-        </p:txBody>
-      </p:sp>
-      <p:sp>
-        <p:nvSpPr>
-          <p:cNvPr id="6" name="Content Placeholder 5"/>
-          <p:cNvSpPr>
-            <a:spLocks noGrp="1"/>
-          </p:cNvSpPr>
-          <p:nvPr>
-            <p:ph sz="quarter" idx="4"/>
-          </p:nvPr>
-        </p:nvSpPr>
-        <p:spPr/>
-        <p:txBody>
-          <a:bodyPr>
-            <a:normAutofit/>
-          </a:bodyPr>
-          <a:lstStyle/>
-          <a:p>
-            <a:pPr marL="449263" lvl="1" indent="-249238"/>
-            <a:r>
-              <a:rPr lang="en-US" altLang="en-US" sz="2400" dirty="0" smtClean="0"/>
-              <a:t>Low effort, high quality </a:t>
-            </a:r>
-          </a:p>
-          <a:p>
-            <a:pPr marL="449263" lvl="1" indent="-249238"/>
-            <a:r>
-              <a:rPr lang="en-US" altLang="en-US" sz="2400" dirty="0" smtClean="0"/>
-              <a:t>Preference-based</a:t>
-            </a:r>
-          </a:p>
-          <a:p>
-            <a:pPr marL="449263" lvl="1" indent="-249238"/>
-            <a:r>
-              <a:rPr lang="en-US" altLang="en-US" sz="2400" dirty="0" smtClean="0"/>
-              <a:t>Don’t depend on searches</a:t>
-            </a:r>
-          </a:p>
-          <a:p>
-            <a:pPr marL="449263" lvl="1" indent="-249238"/>
-            <a:r>
-              <a:rPr lang="en-US" altLang="en-US" sz="2400" dirty="0" smtClean="0"/>
-              <a:t>Location-driven</a:t>
-            </a:r>
-          </a:p>
-          <a:p>
-            <a:pPr marL="449263" lvl="1" indent="-249238"/>
-            <a:r>
-              <a:rPr lang="en-US" altLang="en-US" sz="2400" dirty="0" smtClean="0"/>
-              <a:t>Guided </a:t>
-            </a:r>
-            <a:r>
-              <a:rPr lang="en-US" altLang="en-US" sz="2400" dirty="0"/>
-              <a:t>Spontaneity </a:t>
-            </a:r>
-          </a:p>
-          <a:p>
-            <a:pPr marL="449263" indent="-249238"/>
-            <a:endParaRPr lang="en-US" sz="2400" dirty="0"/>
+            <a:pPr algn="ctr">
+              <a:spcBef>
+                <a:spcPts val="0"/>
+              </a:spcBef>
+            </a:pPr>
+            <a:r>
+              <a:rPr lang="en-US" altLang="en-US" sz="4000" dirty="0" smtClean="0"/>
+              <a:t>With </a:t>
+            </a:r>
+            <a:r>
+              <a:rPr lang="en-US" altLang="en-US" sz="4000" b="1" dirty="0" smtClean="0"/>
+              <a:t>minimal overhead</a:t>
+            </a:r>
+            <a:r>
+              <a:rPr lang="en-US" altLang="en-US" sz="4000" dirty="0" smtClean="0"/>
+              <a:t>, </a:t>
+            </a:r>
+          </a:p>
+          <a:p>
+            <a:pPr algn="ctr">
+              <a:spcBef>
+                <a:spcPts val="0"/>
+              </a:spcBef>
+            </a:pPr>
+            <a:r>
+              <a:rPr lang="en-US" altLang="en-US" sz="4000" dirty="0" smtClean="0"/>
+              <a:t>community stakeholders </a:t>
+            </a:r>
+            <a:r>
+              <a:rPr lang="en-US" altLang="en-US" sz="4000" dirty="0"/>
+              <a:t>can </a:t>
+            </a:r>
+            <a:r>
+              <a:rPr lang="en-US" altLang="en-US" sz="4000" dirty="0" smtClean="0"/>
+              <a:t>provide visitors with a </a:t>
+            </a:r>
+            <a:r>
+              <a:rPr lang="en-US" altLang="en-US" sz="4000" b="1" dirty="0" smtClean="0"/>
+              <a:t>location-driven, </a:t>
+            </a:r>
+            <a:r>
+              <a:rPr lang="en-US" altLang="en-US" sz="4000" b="1" dirty="0" smtClean="0"/>
+              <a:t>preference-driven, c</a:t>
+            </a:r>
+            <a:r>
+              <a:rPr lang="en-US" altLang="en-US" sz="4000" b="1" dirty="0" smtClean="0"/>
+              <a:t>urated experience. </a:t>
+            </a:r>
+            <a:endParaRPr lang="en-US" altLang="en-US" sz="1800" b="1" dirty="0" smtClean="0"/>
           </a:p>
         </p:txBody>
       </p:sp>
     </p:spTree>
-    <p:extLst>
-      <p:ext uri="{BB962C8B-B14F-4D97-AF65-F5344CB8AC3E}">
-        <p14:creationId xmlns:p14="http://schemas.microsoft.com/office/powerpoint/2010/main" val="3719697438"/>
-      </p:ext>
-    </p:extLst>
   </p:cSld>
   <p:clrMapOvr>
     <a:masterClrMapping/>
@@ -8491,18 +8718,39 @@
             <p:ph idx="1"/>
           </p:nvPr>
         </p:nvSpPr>
-        <p:spPr/>
+        <p:spPr>
+          <a:xfrm>
+            <a:off x="175846" y="2989384"/>
+            <a:ext cx="11840308" cy="2879709"/>
+          </a:xfrm>
+        </p:spPr>
         <p:txBody>
           <a:bodyPr/>
           <a:lstStyle/>
           <a:p>
-            <a:pPr marL="0" indent="0">
+            <a:pPr marL="0" indent="0" algn="ctr">
               <a:buFont typeface="Arial" panose="020B0604020202020204" pitchFamily="34" charset="0"/>
               <a:buNone/>
             </a:pPr>
+            <a:r>
+              <a:rPr lang="en-US" altLang="en-US" sz="3200" dirty="0" err="1">
+                <a:solidFill>
+                  <a:schemeClr val="tx1"/>
+                </a:solidFill>
+              </a:rPr>
+              <a:t>t</a:t>
+            </a:r>
+            <a:r>
+              <a:rPr lang="en-US" altLang="en-US" sz="3200" dirty="0" err="1" smtClean="0">
+                <a:solidFill>
+                  <a:schemeClr val="tx1"/>
+                </a:solidFill>
+              </a:rPr>
+              <a:t>ouricana@gmail.com</a:t>
+            </a:r>
             <a:endParaRPr lang="en-US" altLang="en-US" sz="3200" dirty="0" smtClean="0">
               <a:solidFill>
-                <a:srgbClr val="FFFFFF"/>
+                <a:schemeClr val="tx1"/>
               </a:solidFill>
             </a:endParaRPr>
           </a:p>
@@ -8590,7 +8838,7 @@
             </a:pPr>
             <a:r>
               <a:rPr lang="en-US" sz="3200" dirty="0" smtClean="0"/>
-              <a:t>How can we ensure that more visitors to a town </a:t>
+              <a:t>How can we connect more visitors to a town to</a:t>
             </a:r>
           </a:p>
           <a:p>
@@ -8598,8 +8846,12 @@
               <a:buNone/>
             </a:pPr>
             <a:r>
+              <a:rPr lang="en-US" sz="3200" dirty="0"/>
+              <a:t>m</a:t>
+            </a:r>
+            <a:r>
               <a:rPr lang="en-US" sz="3200" dirty="0" smtClean="0"/>
-              <a:t>engage meaningfully in that community?</a:t>
+              <a:t>eaningful experiences in that community?</a:t>
             </a:r>
           </a:p>
         </p:txBody>
@@ -8728,7 +8980,511 @@
               </a:pPr>
               <a:r>
                 <a:rPr lang="en-US" sz="3200" dirty="0"/>
-                <a:t>How can we reach travelers who don’t know about us? </a:t>
+                <a:t>How can we </a:t>
+              </a:r>
+              <a:r>
+                <a:rPr lang="en-US" sz="3200" dirty="0" smtClean="0"/>
+                <a:t>attract travelers who don’t know about us? </a:t>
+              </a:r>
+              <a:endParaRPr lang="en-US" sz="3200" dirty="0"/>
+            </a:p>
+          </p:txBody>
+        </p:sp>
+        <p:sp>
+          <p:nvSpPr>
+            <p:cNvPr id="8" name="Content Placeholder 2"/>
+            <p:cNvSpPr txBox="1">
+              <a:spLocks/>
+            </p:cNvSpPr>
+            <p:nvPr/>
+          </p:nvSpPr>
+          <p:spPr>
+            <a:xfrm>
+              <a:off x="1113690" y="1426308"/>
+              <a:ext cx="5159863" cy="1089323"/>
+            </a:xfrm>
+            <a:prstGeom prst="rect">
+              <a:avLst/>
+            </a:prstGeom>
+          </p:spPr>
+          <p:txBody>
+            <a:bodyPr vert="horz" lIns="0" tIns="45720" rIns="0" bIns="45720" rtlCol="0">
+              <a:normAutofit/>
+            </a:bodyPr>
+            <a:lstStyle>
+              <a:lvl1pPr marL="91440" indent="-91440" algn="l" defTabSz="914400" rtl="0" eaLnBrk="1" latinLnBrk="0" hangingPunct="1">
+                <a:lnSpc>
+                  <a:spcPct val="90000"/>
+                </a:lnSpc>
+                <a:spcBef>
+                  <a:spcPts val="1200"/>
+                </a:spcBef>
+                <a:spcAft>
+                  <a:spcPts val="200"/>
+                </a:spcAft>
+                <a:buClr>
+                  <a:schemeClr val="accent1"/>
+                </a:buClr>
+                <a:buSzPct val="100000"/>
+                <a:buFont typeface="Calibri" panose="020F0502020204030204" pitchFamily="34" charset="0"/>
+                <a:buChar char=" "/>
+                <a:defRPr sz="2000" kern="1200">
+                  <a:solidFill>
+                    <a:schemeClr val="tx1">
+                      <a:lumMod val="75000"/>
+                      <a:lumOff val="25000"/>
+                    </a:schemeClr>
+                  </a:solidFill>
+                  <a:latin typeface="+mn-lt"/>
+                  <a:ea typeface="+mn-ea"/>
+                  <a:cs typeface="+mn-cs"/>
+                </a:defRPr>
+              </a:lvl1pPr>
+              <a:lvl2pPr marL="384048" indent="-182880" algn="l" defTabSz="914400" rtl="0" eaLnBrk="1" latinLnBrk="0" hangingPunct="1">
+                <a:lnSpc>
+                  <a:spcPct val="90000"/>
+                </a:lnSpc>
+                <a:spcBef>
+                  <a:spcPts val="200"/>
+                </a:spcBef>
+                <a:spcAft>
+                  <a:spcPts val="400"/>
+                </a:spcAft>
+                <a:buClr>
+                  <a:schemeClr val="accent1"/>
+                </a:buClr>
+                <a:buFont typeface="Calibri" pitchFamily="34" charset="0"/>
+                <a:buChar char="◦"/>
+                <a:defRPr sz="1800" kern="1200">
+                  <a:solidFill>
+                    <a:schemeClr val="tx1">
+                      <a:lumMod val="75000"/>
+                      <a:lumOff val="25000"/>
+                    </a:schemeClr>
+                  </a:solidFill>
+                  <a:latin typeface="+mn-lt"/>
+                  <a:ea typeface="+mn-ea"/>
+                  <a:cs typeface="+mn-cs"/>
+                </a:defRPr>
+              </a:lvl2pPr>
+              <a:lvl3pPr marL="566928" indent="-182880" algn="l" defTabSz="914400" rtl="0" eaLnBrk="1" latinLnBrk="0" hangingPunct="1">
+                <a:lnSpc>
+                  <a:spcPct val="90000"/>
+                </a:lnSpc>
+                <a:spcBef>
+                  <a:spcPts val="200"/>
+                </a:spcBef>
+                <a:spcAft>
+                  <a:spcPts val="400"/>
+                </a:spcAft>
+                <a:buClr>
+                  <a:schemeClr val="accent1"/>
+                </a:buClr>
+                <a:buFont typeface="Calibri" pitchFamily="34" charset="0"/>
+                <a:buChar char="◦"/>
+                <a:defRPr sz="1400" kern="1200">
+                  <a:solidFill>
+                    <a:schemeClr val="tx1">
+                      <a:lumMod val="75000"/>
+                      <a:lumOff val="25000"/>
+                    </a:schemeClr>
+                  </a:solidFill>
+                  <a:latin typeface="+mn-lt"/>
+                  <a:ea typeface="+mn-ea"/>
+                  <a:cs typeface="+mn-cs"/>
+                </a:defRPr>
+              </a:lvl3pPr>
+              <a:lvl4pPr marL="749808" indent="-182880" algn="l" defTabSz="914400" rtl="0" eaLnBrk="1" latinLnBrk="0" hangingPunct="1">
+                <a:lnSpc>
+                  <a:spcPct val="90000"/>
+                </a:lnSpc>
+                <a:spcBef>
+                  <a:spcPts val="200"/>
+                </a:spcBef>
+                <a:spcAft>
+                  <a:spcPts val="400"/>
+                </a:spcAft>
+                <a:buClr>
+                  <a:schemeClr val="accent1"/>
+                </a:buClr>
+                <a:buFont typeface="Calibri" pitchFamily="34" charset="0"/>
+                <a:buChar char="◦"/>
+                <a:defRPr sz="1400" kern="1200">
+                  <a:solidFill>
+                    <a:schemeClr val="tx1">
+                      <a:lumMod val="75000"/>
+                      <a:lumOff val="25000"/>
+                    </a:schemeClr>
+                  </a:solidFill>
+                  <a:latin typeface="+mn-lt"/>
+                  <a:ea typeface="+mn-ea"/>
+                  <a:cs typeface="+mn-cs"/>
+                </a:defRPr>
+              </a:lvl4pPr>
+              <a:lvl5pPr marL="932688" indent="-182880" algn="l" defTabSz="914400" rtl="0" eaLnBrk="1" latinLnBrk="0" hangingPunct="1">
+                <a:lnSpc>
+                  <a:spcPct val="90000"/>
+                </a:lnSpc>
+                <a:spcBef>
+                  <a:spcPts val="200"/>
+                </a:spcBef>
+                <a:spcAft>
+                  <a:spcPts val="400"/>
+                </a:spcAft>
+                <a:buClr>
+                  <a:schemeClr val="accent1"/>
+                </a:buClr>
+                <a:buFont typeface="Calibri" pitchFamily="34" charset="0"/>
+                <a:buChar char="◦"/>
+                <a:defRPr sz="1400" kern="1200">
+                  <a:solidFill>
+                    <a:schemeClr val="tx1">
+                      <a:lumMod val="75000"/>
+                      <a:lumOff val="25000"/>
+                    </a:schemeClr>
+                  </a:solidFill>
+                  <a:latin typeface="+mn-lt"/>
+                  <a:ea typeface="+mn-ea"/>
+                  <a:cs typeface="+mn-cs"/>
+                </a:defRPr>
+              </a:lvl5pPr>
+              <a:lvl6pPr marL="1100000" indent="-228600" algn="l" defTabSz="914400" rtl="0" eaLnBrk="1" latinLnBrk="0" hangingPunct="1">
+                <a:lnSpc>
+                  <a:spcPct val="90000"/>
+                </a:lnSpc>
+                <a:spcBef>
+                  <a:spcPts val="200"/>
+                </a:spcBef>
+                <a:spcAft>
+                  <a:spcPts val="400"/>
+                </a:spcAft>
+                <a:buClr>
+                  <a:schemeClr val="accent1"/>
+                </a:buClr>
+                <a:buFont typeface="Calibri" pitchFamily="34" charset="0"/>
+                <a:buChar char="◦"/>
+                <a:defRPr sz="1400" kern="1200">
+                  <a:solidFill>
+                    <a:schemeClr val="tx1">
+                      <a:lumMod val="75000"/>
+                      <a:lumOff val="25000"/>
+                    </a:schemeClr>
+                  </a:solidFill>
+                  <a:latin typeface="+mn-lt"/>
+                  <a:ea typeface="+mn-ea"/>
+                  <a:cs typeface="+mn-cs"/>
+                </a:defRPr>
+              </a:lvl6pPr>
+              <a:lvl7pPr marL="1300000" indent="-228600" algn="l" defTabSz="914400" rtl="0" eaLnBrk="1" latinLnBrk="0" hangingPunct="1">
+                <a:lnSpc>
+                  <a:spcPct val="90000"/>
+                </a:lnSpc>
+                <a:spcBef>
+                  <a:spcPts val="200"/>
+                </a:spcBef>
+                <a:spcAft>
+                  <a:spcPts val="400"/>
+                </a:spcAft>
+                <a:buClr>
+                  <a:schemeClr val="accent1"/>
+                </a:buClr>
+                <a:buFont typeface="Calibri" pitchFamily="34" charset="0"/>
+                <a:buChar char="◦"/>
+                <a:defRPr sz="1400" kern="1200">
+                  <a:solidFill>
+                    <a:schemeClr val="tx1">
+                      <a:lumMod val="75000"/>
+                      <a:lumOff val="25000"/>
+                    </a:schemeClr>
+                  </a:solidFill>
+                  <a:latin typeface="+mn-lt"/>
+                  <a:ea typeface="+mn-ea"/>
+                  <a:cs typeface="+mn-cs"/>
+                </a:defRPr>
+              </a:lvl7pPr>
+              <a:lvl8pPr marL="1500000" indent="-228600" algn="l" defTabSz="914400" rtl="0" eaLnBrk="1" latinLnBrk="0" hangingPunct="1">
+                <a:lnSpc>
+                  <a:spcPct val="90000"/>
+                </a:lnSpc>
+                <a:spcBef>
+                  <a:spcPts val="200"/>
+                </a:spcBef>
+                <a:spcAft>
+                  <a:spcPts val="400"/>
+                </a:spcAft>
+                <a:buClr>
+                  <a:schemeClr val="accent1"/>
+                </a:buClr>
+                <a:buFont typeface="Calibri" pitchFamily="34" charset="0"/>
+                <a:buChar char="◦"/>
+                <a:defRPr sz="1400" kern="1200">
+                  <a:solidFill>
+                    <a:schemeClr val="tx1">
+                      <a:lumMod val="75000"/>
+                      <a:lumOff val="25000"/>
+                    </a:schemeClr>
+                  </a:solidFill>
+                  <a:latin typeface="+mn-lt"/>
+                  <a:ea typeface="+mn-ea"/>
+                  <a:cs typeface="+mn-cs"/>
+                </a:defRPr>
+              </a:lvl8pPr>
+              <a:lvl9pPr marL="1700000" indent="-228600" algn="l" defTabSz="914400" rtl="0" eaLnBrk="1" latinLnBrk="0" hangingPunct="1">
+                <a:lnSpc>
+                  <a:spcPct val="90000"/>
+                </a:lnSpc>
+                <a:spcBef>
+                  <a:spcPts val="200"/>
+                </a:spcBef>
+                <a:spcAft>
+                  <a:spcPts val="400"/>
+                </a:spcAft>
+                <a:buClr>
+                  <a:schemeClr val="accent1"/>
+                </a:buClr>
+                <a:buFont typeface="Calibri" pitchFamily="34" charset="0"/>
+                <a:buChar char="◦"/>
+                <a:defRPr sz="1400" kern="1200">
+                  <a:solidFill>
+                    <a:schemeClr val="tx1">
+                      <a:lumMod val="75000"/>
+                      <a:lumOff val="25000"/>
+                    </a:schemeClr>
+                  </a:solidFill>
+                  <a:latin typeface="+mn-lt"/>
+                  <a:ea typeface="+mn-ea"/>
+                  <a:cs typeface="+mn-cs"/>
+                </a:defRPr>
+              </a:lvl9pPr>
+            </a:lstStyle>
+            <a:p>
+              <a:r>
+                <a:rPr lang="en-US" sz="2800" b="1" i="1" dirty="0" smtClean="0"/>
+                <a:t>Community</a:t>
+              </a:r>
+            </a:p>
+          </p:txBody>
+        </p:sp>
+      </p:grpSp>
+    </p:spTree>
+    <p:extLst>
+      <p:ext uri="{BB962C8B-B14F-4D97-AF65-F5344CB8AC3E}">
+        <p14:creationId xmlns:p14="http://schemas.microsoft.com/office/powerpoint/2010/main" val="2460452972"/>
+      </p:ext>
+    </p:extLst>
+  </p:cSld>
+  <p:clrMapOvr>
+    <a:masterClrMapping/>
+  </p:clrMapOvr>
+  <p:timing>
+    <p:tnLst>
+      <p:par>
+        <p:cTn xmlns:p14="http://schemas.microsoft.com/office/powerpoint/2010/main" id="1" dur="indefinite" restart="never" nodeType="tmRoot"/>
+      </p:par>
+    </p:tnLst>
+  </p:timing>
+</p:sld>
+</file>
+
+<file path=ppt/slides/slide4.xml><?xml version="1.0" encoding="utf-8"?>
+<p:sld xmlns:a="http://schemas.openxmlformats.org/drawingml/2006/main" xmlns:r="http://schemas.openxmlformats.org/officeDocument/2006/relationships" xmlns:p="http://schemas.openxmlformats.org/presentationml/2006/main">
+  <p:cSld>
+    <p:spTree>
+      <p:nvGrpSpPr>
+        <p:cNvPr id="1" name=""/>
+        <p:cNvGrpSpPr/>
+        <p:nvPr/>
+      </p:nvGrpSpPr>
+      <p:grpSpPr>
+        <a:xfrm>
+          <a:off x="0" y="0"/>
+          <a:ext cx="0" cy="0"/>
+          <a:chOff x="0" y="0"/>
+          <a:chExt cx="0" cy="0"/>
+        </a:xfrm>
+      </p:grpSpPr>
+      <p:sp>
+        <p:nvSpPr>
+          <p:cNvPr id="2" name="Title 1"/>
+          <p:cNvSpPr>
+            <a:spLocks noGrp="1"/>
+          </p:cNvSpPr>
+          <p:nvPr>
+            <p:ph type="title"/>
+          </p:nvPr>
+        </p:nvSpPr>
+        <p:spPr/>
+        <p:txBody>
+          <a:bodyPr/>
+          <a:lstStyle/>
+          <a:p>
+            <a:r>
+              <a:rPr lang="en-US" dirty="0" smtClean="0"/>
+              <a:t> Problem</a:t>
+            </a:r>
+            <a:endParaRPr lang="en-US" dirty="0"/>
+          </a:p>
+        </p:txBody>
+      </p:sp>
+      <p:sp>
+        <p:nvSpPr>
+          <p:cNvPr id="3" name="Content Placeholder 2"/>
+          <p:cNvSpPr>
+            <a:spLocks noGrp="1"/>
+          </p:cNvSpPr>
+          <p:nvPr>
+            <p:ph sz="half" idx="1"/>
+          </p:nvPr>
+        </p:nvSpPr>
+        <p:spPr>
+          <a:xfrm>
+            <a:off x="9026763" y="5408635"/>
+            <a:ext cx="2129699" cy="648288"/>
+          </a:xfrm>
+        </p:spPr>
+        <p:txBody>
+          <a:bodyPr>
+            <a:normAutofit/>
+          </a:bodyPr>
+          <a:lstStyle/>
+          <a:p>
+            <a:r>
+              <a:rPr lang="en-US" sz="2800" b="1" i="1" dirty="0" smtClean="0"/>
+              <a:t>Visitors</a:t>
+            </a:r>
+            <a:endParaRPr lang="en-US" sz="2800" b="1" i="1" dirty="0"/>
+          </a:p>
+        </p:txBody>
+      </p:sp>
+      <p:sp>
+        <p:nvSpPr>
+          <p:cNvPr id="6" name="Rectangular Callout 5"/>
+          <p:cNvSpPr/>
+          <p:nvPr/>
+        </p:nvSpPr>
+        <p:spPr>
+          <a:xfrm rot="16200000">
+            <a:off x="6338627" y="1329709"/>
+            <a:ext cx="3409893" cy="3572456"/>
+          </a:xfrm>
+          <a:prstGeom prst="wedgeRectCallout">
+            <a:avLst>
+              <a:gd name="adj1" fmla="val -64287"/>
+              <a:gd name="adj2" fmla="val 36305"/>
+            </a:avLst>
+          </a:prstGeom>
+          <a:ln>
+            <a:noFill/>
+          </a:ln>
+        </p:spPr>
+        <p:style>
+          <a:lnRef idx="1">
+            <a:schemeClr val="accent1"/>
+          </a:lnRef>
+          <a:fillRef idx="3">
+            <a:schemeClr val="accent1"/>
+          </a:fillRef>
+          <a:effectRef idx="2">
+            <a:schemeClr val="accent1"/>
+          </a:effectRef>
+          <a:fontRef idx="minor">
+            <a:schemeClr val="lt1"/>
+          </a:fontRef>
+        </p:style>
+        <p:txBody>
+          <a:bodyPr vert="vert" rtlCol="0" anchor="ctr"/>
+          <a:lstStyle/>
+          <a:p>
+            <a:pPr algn="ctr"/>
+            <a:r>
+              <a:rPr lang="en-US" sz="3200" dirty="0"/>
+              <a:t>How can I connect to the </a:t>
+            </a:r>
+            <a:r>
+              <a:rPr lang="en-US" sz="3200" dirty="0" smtClean="0"/>
+              <a:t>the things </a:t>
+            </a:r>
+            <a:r>
+              <a:rPr lang="en-US" sz="3200" dirty="0"/>
+              <a:t>I’d love in a new place?   </a:t>
+            </a:r>
+            <a:endParaRPr lang="en-US" sz="3200" dirty="0"/>
+          </a:p>
+        </p:txBody>
+      </p:sp>
+      <p:grpSp>
+        <p:nvGrpSpPr>
+          <p:cNvPr id="9" name="Group 8"/>
+          <p:cNvGrpSpPr/>
+          <p:nvPr/>
+        </p:nvGrpSpPr>
+        <p:grpSpPr>
+          <a:xfrm>
+            <a:off x="1113690" y="1426308"/>
+            <a:ext cx="5159863" cy="4526715"/>
+            <a:chOff x="1113690" y="1426308"/>
+            <a:chExt cx="5159863" cy="4526715"/>
+          </a:xfrm>
+        </p:grpSpPr>
+        <p:sp>
+          <p:nvSpPr>
+            <p:cNvPr id="7" name="Rectangular Callout 6"/>
+            <p:cNvSpPr/>
+            <p:nvPr/>
+          </p:nvSpPr>
+          <p:spPr>
+            <a:xfrm rot="5400000">
+              <a:off x="2256350" y="2502436"/>
+              <a:ext cx="3409893" cy="3491281"/>
+            </a:xfrm>
+            <a:prstGeom prst="wedgeRectCallout">
+              <a:avLst>
+                <a:gd name="adj1" fmla="val -64287"/>
+                <a:gd name="adj2" fmla="val 36305"/>
+              </a:avLst>
+            </a:prstGeom>
+            <a:solidFill>
+              <a:srgbClr val="F49815"/>
+            </a:solidFill>
+            <a:ln>
+              <a:noFill/>
+            </a:ln>
+          </p:spPr>
+          <p:style>
+            <a:lnRef idx="1">
+              <a:schemeClr val="accent1"/>
+            </a:lnRef>
+            <a:fillRef idx="3">
+              <a:schemeClr val="accent1"/>
+            </a:fillRef>
+            <a:effectRef idx="2">
+              <a:schemeClr val="accent1"/>
+            </a:effectRef>
+            <a:fontRef idx="minor">
+              <a:schemeClr val="lt1"/>
+            </a:fontRef>
+          </p:style>
+          <p:txBody>
+            <a:bodyPr vert="vert270" rtlCol="0" anchor="ctr"/>
+            <a:lstStyle/>
+            <a:p>
+              <a:pPr algn="ctr" eaLnBrk="0" hangingPunct="0">
+                <a:spcBef>
+                  <a:spcPct val="30000"/>
+                </a:spcBef>
+                <a:defRPr/>
+              </a:pPr>
+              <a:r>
+                <a:rPr lang="en-US" sz="3200" dirty="0"/>
+                <a:t>How can we </a:t>
+              </a:r>
+              <a:r>
+                <a:rPr lang="en-US" sz="3200" dirty="0" smtClean="0"/>
+                <a:t>attract travelers </a:t>
+              </a:r>
+              <a:r>
+                <a:rPr lang="en-US" sz="3200" dirty="0"/>
+                <a:t>who don’t know about us? </a:t>
               </a:r>
             </a:p>
           </p:txBody>
@@ -9003,498 +9759,7 @@
             <a:p>
               <a:r>
                 <a:rPr lang="en-US" sz="2800" b="1" i="1" dirty="0" smtClean="0"/>
-                <a:t>Community Orgs</a:t>
-              </a:r>
-            </a:p>
-          </p:txBody>
-        </p:sp>
-      </p:grpSp>
-    </p:spTree>
-    <p:extLst>
-      <p:ext uri="{BB962C8B-B14F-4D97-AF65-F5344CB8AC3E}">
-        <p14:creationId xmlns:p14="http://schemas.microsoft.com/office/powerpoint/2010/main" val="2460452972"/>
-      </p:ext>
-    </p:extLst>
-  </p:cSld>
-  <p:clrMapOvr>
-    <a:masterClrMapping/>
-  </p:clrMapOvr>
-  <p:timing>
-    <p:tnLst>
-      <p:par>
-        <p:cTn xmlns:p14="http://schemas.microsoft.com/office/powerpoint/2010/main" id="1" dur="indefinite" restart="never" nodeType="tmRoot"/>
-      </p:par>
-    </p:tnLst>
-  </p:timing>
-</p:sld>
-</file>
-
-<file path=ppt/slides/slide4.xml><?xml version="1.0" encoding="utf-8"?>
-<p:sld xmlns:a="http://schemas.openxmlformats.org/drawingml/2006/main" xmlns:r="http://schemas.openxmlformats.org/officeDocument/2006/relationships" xmlns:p="http://schemas.openxmlformats.org/presentationml/2006/main">
-  <p:cSld>
-    <p:spTree>
-      <p:nvGrpSpPr>
-        <p:cNvPr id="1" name=""/>
-        <p:cNvGrpSpPr/>
-        <p:nvPr/>
-      </p:nvGrpSpPr>
-      <p:grpSpPr>
-        <a:xfrm>
-          <a:off x="0" y="0"/>
-          <a:ext cx="0" cy="0"/>
-          <a:chOff x="0" y="0"/>
-          <a:chExt cx="0" cy="0"/>
-        </a:xfrm>
-      </p:grpSpPr>
-      <p:sp>
-        <p:nvSpPr>
-          <p:cNvPr id="2" name="Title 1"/>
-          <p:cNvSpPr>
-            <a:spLocks noGrp="1"/>
-          </p:cNvSpPr>
-          <p:nvPr>
-            <p:ph type="title"/>
-          </p:nvPr>
-        </p:nvSpPr>
-        <p:spPr/>
-        <p:txBody>
-          <a:bodyPr/>
-          <a:lstStyle/>
-          <a:p>
-            <a:r>
-              <a:rPr lang="en-US" dirty="0" smtClean="0"/>
-              <a:t> Problem</a:t>
-            </a:r>
-            <a:endParaRPr lang="en-US" dirty="0"/>
-          </a:p>
-        </p:txBody>
-      </p:sp>
-      <p:sp>
-        <p:nvSpPr>
-          <p:cNvPr id="3" name="Content Placeholder 2"/>
-          <p:cNvSpPr>
-            <a:spLocks noGrp="1"/>
-          </p:cNvSpPr>
-          <p:nvPr>
-            <p:ph sz="half" idx="1"/>
-          </p:nvPr>
-        </p:nvSpPr>
-        <p:spPr>
-          <a:xfrm>
-            <a:off x="9026763" y="5408635"/>
-            <a:ext cx="2129699" cy="648288"/>
-          </a:xfrm>
-        </p:spPr>
-        <p:txBody>
-          <a:bodyPr>
-            <a:normAutofit/>
-          </a:bodyPr>
-          <a:lstStyle/>
-          <a:p>
-            <a:r>
-              <a:rPr lang="en-US" sz="2800" b="1" i="1" dirty="0" smtClean="0"/>
-              <a:t>Visitors</a:t>
-            </a:r>
-            <a:endParaRPr lang="en-US" sz="2800" b="1" i="1" dirty="0"/>
-          </a:p>
-        </p:txBody>
-      </p:sp>
-      <p:sp>
-        <p:nvSpPr>
-          <p:cNvPr id="6" name="Rectangular Callout 5"/>
-          <p:cNvSpPr/>
-          <p:nvPr/>
-        </p:nvSpPr>
-        <p:spPr>
-          <a:xfrm rot="16200000">
-            <a:off x="6338627" y="1329709"/>
-            <a:ext cx="3409893" cy="3572456"/>
-          </a:xfrm>
-          <a:prstGeom prst="wedgeRectCallout">
-            <a:avLst>
-              <a:gd name="adj1" fmla="val -64287"/>
-              <a:gd name="adj2" fmla="val 36305"/>
-            </a:avLst>
-          </a:prstGeom>
-          <a:ln>
-            <a:noFill/>
-          </a:ln>
-        </p:spPr>
-        <p:style>
-          <a:lnRef idx="1">
-            <a:schemeClr val="accent1"/>
-          </a:lnRef>
-          <a:fillRef idx="3">
-            <a:schemeClr val="accent1"/>
-          </a:fillRef>
-          <a:effectRef idx="2">
-            <a:schemeClr val="accent1"/>
-          </a:effectRef>
-          <a:fontRef idx="minor">
-            <a:schemeClr val="lt1"/>
-          </a:fontRef>
-        </p:style>
-        <p:txBody>
-          <a:bodyPr vert="vert" rtlCol="0" anchor="ctr"/>
-          <a:lstStyle/>
-          <a:p>
-            <a:pPr algn="ctr"/>
-            <a:r>
-              <a:rPr lang="en-US" sz="3200" dirty="0"/>
-              <a:t>How can I connect to the </a:t>
-            </a:r>
-            <a:r>
-              <a:rPr lang="en-US" sz="3200" dirty="0" smtClean="0"/>
-              <a:t>the things </a:t>
-            </a:r>
-            <a:r>
-              <a:rPr lang="en-US" sz="3200" dirty="0"/>
-              <a:t>I’d love in a new place?   </a:t>
-            </a:r>
-            <a:endParaRPr lang="en-US" sz="3200" dirty="0"/>
-          </a:p>
-        </p:txBody>
-      </p:sp>
-      <p:grpSp>
-        <p:nvGrpSpPr>
-          <p:cNvPr id="9" name="Group 8"/>
-          <p:cNvGrpSpPr/>
-          <p:nvPr/>
-        </p:nvGrpSpPr>
-        <p:grpSpPr>
-          <a:xfrm>
-            <a:off x="1113690" y="1426308"/>
-            <a:ext cx="5159863" cy="4526715"/>
-            <a:chOff x="1113690" y="1426308"/>
-            <a:chExt cx="5159863" cy="4526715"/>
-          </a:xfrm>
-        </p:grpSpPr>
-        <p:sp>
-          <p:nvSpPr>
-            <p:cNvPr id="7" name="Rectangular Callout 6"/>
-            <p:cNvSpPr/>
-            <p:nvPr/>
-          </p:nvSpPr>
-          <p:spPr>
-            <a:xfrm rot="5400000">
-              <a:off x="2256350" y="2502436"/>
-              <a:ext cx="3409893" cy="3491281"/>
-            </a:xfrm>
-            <a:prstGeom prst="wedgeRectCallout">
-              <a:avLst>
-                <a:gd name="adj1" fmla="val -64287"/>
-                <a:gd name="adj2" fmla="val 36305"/>
-              </a:avLst>
-            </a:prstGeom>
-            <a:solidFill>
-              <a:srgbClr val="F49815"/>
-            </a:solidFill>
-            <a:ln>
-              <a:noFill/>
-            </a:ln>
-          </p:spPr>
-          <p:style>
-            <a:lnRef idx="1">
-              <a:schemeClr val="accent1"/>
-            </a:lnRef>
-            <a:fillRef idx="3">
-              <a:schemeClr val="accent1"/>
-            </a:fillRef>
-            <a:effectRef idx="2">
-              <a:schemeClr val="accent1"/>
-            </a:effectRef>
-            <a:fontRef idx="minor">
-              <a:schemeClr val="lt1"/>
-            </a:fontRef>
-          </p:style>
-          <p:txBody>
-            <a:bodyPr vert="vert270" rtlCol="0" anchor="ctr"/>
-            <a:lstStyle/>
-            <a:p>
-              <a:pPr algn="ctr" eaLnBrk="0" hangingPunct="0">
-                <a:spcBef>
-                  <a:spcPct val="30000"/>
-                </a:spcBef>
-                <a:defRPr/>
-              </a:pPr>
-              <a:r>
-                <a:rPr lang="en-US" sz="3200" dirty="0"/>
-                <a:t>How can we reach travelers who don’t know about us? </a:t>
-              </a:r>
-            </a:p>
-          </p:txBody>
-        </p:sp>
-        <p:sp>
-          <p:nvSpPr>
-            <p:cNvPr id="8" name="Content Placeholder 2"/>
-            <p:cNvSpPr txBox="1">
-              <a:spLocks/>
-            </p:cNvSpPr>
-            <p:nvPr/>
-          </p:nvSpPr>
-          <p:spPr>
-            <a:xfrm>
-              <a:off x="1113690" y="1426308"/>
-              <a:ext cx="5159863" cy="1089323"/>
-            </a:xfrm>
-            <a:prstGeom prst="rect">
-              <a:avLst/>
-            </a:prstGeom>
-          </p:spPr>
-          <p:txBody>
-            <a:bodyPr vert="horz" lIns="0" tIns="45720" rIns="0" bIns="45720" rtlCol="0">
-              <a:normAutofit/>
-            </a:bodyPr>
-            <a:lstStyle>
-              <a:lvl1pPr marL="91440" indent="-91440" algn="l" defTabSz="914400" rtl="0" eaLnBrk="1" latinLnBrk="0" hangingPunct="1">
-                <a:lnSpc>
-                  <a:spcPct val="90000"/>
-                </a:lnSpc>
-                <a:spcBef>
-                  <a:spcPts val="1200"/>
-                </a:spcBef>
-                <a:spcAft>
-                  <a:spcPts val="200"/>
-                </a:spcAft>
-                <a:buClr>
-                  <a:schemeClr val="accent1"/>
-                </a:buClr>
-                <a:buSzPct val="100000"/>
-                <a:buFont typeface="Calibri" panose="020F0502020204030204" pitchFamily="34" charset="0"/>
-                <a:buChar char=" "/>
-                <a:defRPr sz="2000" kern="1200">
-                  <a:solidFill>
-                    <a:schemeClr val="tx1">
-                      <a:lumMod val="75000"/>
-                      <a:lumOff val="25000"/>
-                    </a:schemeClr>
-                  </a:solidFill>
-                  <a:latin typeface="+mn-lt"/>
-                  <a:ea typeface="+mn-ea"/>
-                  <a:cs typeface="+mn-cs"/>
-                </a:defRPr>
-              </a:lvl1pPr>
-              <a:lvl2pPr marL="384048" indent="-182880" algn="l" defTabSz="914400" rtl="0" eaLnBrk="1" latinLnBrk="0" hangingPunct="1">
-                <a:lnSpc>
-                  <a:spcPct val="90000"/>
-                </a:lnSpc>
-                <a:spcBef>
-                  <a:spcPts val="200"/>
-                </a:spcBef>
-                <a:spcAft>
-                  <a:spcPts val="400"/>
-                </a:spcAft>
-                <a:buClr>
-                  <a:schemeClr val="accent1"/>
-                </a:buClr>
-                <a:buFont typeface="Calibri" pitchFamily="34" charset="0"/>
-                <a:buChar char="◦"/>
-                <a:defRPr sz="1800" kern="1200">
-                  <a:solidFill>
-                    <a:schemeClr val="tx1">
-                      <a:lumMod val="75000"/>
-                      <a:lumOff val="25000"/>
-                    </a:schemeClr>
-                  </a:solidFill>
-                  <a:latin typeface="+mn-lt"/>
-                  <a:ea typeface="+mn-ea"/>
-                  <a:cs typeface="+mn-cs"/>
-                </a:defRPr>
-              </a:lvl2pPr>
-              <a:lvl3pPr marL="566928" indent="-182880" algn="l" defTabSz="914400" rtl="0" eaLnBrk="1" latinLnBrk="0" hangingPunct="1">
-                <a:lnSpc>
-                  <a:spcPct val="90000"/>
-                </a:lnSpc>
-                <a:spcBef>
-                  <a:spcPts val="200"/>
-                </a:spcBef>
-                <a:spcAft>
-                  <a:spcPts val="400"/>
-                </a:spcAft>
-                <a:buClr>
-                  <a:schemeClr val="accent1"/>
-                </a:buClr>
-                <a:buFont typeface="Calibri" pitchFamily="34" charset="0"/>
-                <a:buChar char="◦"/>
-                <a:defRPr sz="1400" kern="1200">
-                  <a:solidFill>
-                    <a:schemeClr val="tx1">
-                      <a:lumMod val="75000"/>
-                      <a:lumOff val="25000"/>
-                    </a:schemeClr>
-                  </a:solidFill>
-                  <a:latin typeface="+mn-lt"/>
-                  <a:ea typeface="+mn-ea"/>
-                  <a:cs typeface="+mn-cs"/>
-                </a:defRPr>
-              </a:lvl3pPr>
-              <a:lvl4pPr marL="749808" indent="-182880" algn="l" defTabSz="914400" rtl="0" eaLnBrk="1" latinLnBrk="0" hangingPunct="1">
-                <a:lnSpc>
-                  <a:spcPct val="90000"/>
-                </a:lnSpc>
-                <a:spcBef>
-                  <a:spcPts val="200"/>
-                </a:spcBef>
-                <a:spcAft>
-                  <a:spcPts val="400"/>
-                </a:spcAft>
-                <a:buClr>
-                  <a:schemeClr val="accent1"/>
-                </a:buClr>
-                <a:buFont typeface="Calibri" pitchFamily="34" charset="0"/>
-                <a:buChar char="◦"/>
-                <a:defRPr sz="1400" kern="1200">
-                  <a:solidFill>
-                    <a:schemeClr val="tx1">
-                      <a:lumMod val="75000"/>
-                      <a:lumOff val="25000"/>
-                    </a:schemeClr>
-                  </a:solidFill>
-                  <a:latin typeface="+mn-lt"/>
-                  <a:ea typeface="+mn-ea"/>
-                  <a:cs typeface="+mn-cs"/>
-                </a:defRPr>
-              </a:lvl4pPr>
-              <a:lvl5pPr marL="932688" indent="-182880" algn="l" defTabSz="914400" rtl="0" eaLnBrk="1" latinLnBrk="0" hangingPunct="1">
-                <a:lnSpc>
-                  <a:spcPct val="90000"/>
-                </a:lnSpc>
-                <a:spcBef>
-                  <a:spcPts val="200"/>
-                </a:spcBef>
-                <a:spcAft>
-                  <a:spcPts val="400"/>
-                </a:spcAft>
-                <a:buClr>
-                  <a:schemeClr val="accent1"/>
-                </a:buClr>
-                <a:buFont typeface="Calibri" pitchFamily="34" charset="0"/>
-                <a:buChar char="◦"/>
-                <a:defRPr sz="1400" kern="1200">
-                  <a:solidFill>
-                    <a:schemeClr val="tx1">
-                      <a:lumMod val="75000"/>
-                      <a:lumOff val="25000"/>
-                    </a:schemeClr>
-                  </a:solidFill>
-                  <a:latin typeface="+mn-lt"/>
-                  <a:ea typeface="+mn-ea"/>
-                  <a:cs typeface="+mn-cs"/>
-                </a:defRPr>
-              </a:lvl5pPr>
-              <a:lvl6pPr marL="1100000" indent="-228600" algn="l" defTabSz="914400" rtl="0" eaLnBrk="1" latinLnBrk="0" hangingPunct="1">
-                <a:lnSpc>
-                  <a:spcPct val="90000"/>
-                </a:lnSpc>
-                <a:spcBef>
-                  <a:spcPts val="200"/>
-                </a:spcBef>
-                <a:spcAft>
-                  <a:spcPts val="400"/>
-                </a:spcAft>
-                <a:buClr>
-                  <a:schemeClr val="accent1"/>
-                </a:buClr>
-                <a:buFont typeface="Calibri" pitchFamily="34" charset="0"/>
-                <a:buChar char="◦"/>
-                <a:defRPr sz="1400" kern="1200">
-                  <a:solidFill>
-                    <a:schemeClr val="tx1">
-                      <a:lumMod val="75000"/>
-                      <a:lumOff val="25000"/>
-                    </a:schemeClr>
-                  </a:solidFill>
-                  <a:latin typeface="+mn-lt"/>
-                  <a:ea typeface="+mn-ea"/>
-                  <a:cs typeface="+mn-cs"/>
-                </a:defRPr>
-              </a:lvl6pPr>
-              <a:lvl7pPr marL="1300000" indent="-228600" algn="l" defTabSz="914400" rtl="0" eaLnBrk="1" latinLnBrk="0" hangingPunct="1">
-                <a:lnSpc>
-                  <a:spcPct val="90000"/>
-                </a:lnSpc>
-                <a:spcBef>
-                  <a:spcPts val="200"/>
-                </a:spcBef>
-                <a:spcAft>
-                  <a:spcPts val="400"/>
-                </a:spcAft>
-                <a:buClr>
-                  <a:schemeClr val="accent1"/>
-                </a:buClr>
-                <a:buFont typeface="Calibri" pitchFamily="34" charset="0"/>
-                <a:buChar char="◦"/>
-                <a:defRPr sz="1400" kern="1200">
-                  <a:solidFill>
-                    <a:schemeClr val="tx1">
-                      <a:lumMod val="75000"/>
-                      <a:lumOff val="25000"/>
-                    </a:schemeClr>
-                  </a:solidFill>
-                  <a:latin typeface="+mn-lt"/>
-                  <a:ea typeface="+mn-ea"/>
-                  <a:cs typeface="+mn-cs"/>
-                </a:defRPr>
-              </a:lvl7pPr>
-              <a:lvl8pPr marL="1500000" indent="-228600" algn="l" defTabSz="914400" rtl="0" eaLnBrk="1" latinLnBrk="0" hangingPunct="1">
-                <a:lnSpc>
-                  <a:spcPct val="90000"/>
-                </a:lnSpc>
-                <a:spcBef>
-                  <a:spcPts val="200"/>
-                </a:spcBef>
-                <a:spcAft>
-                  <a:spcPts val="400"/>
-                </a:spcAft>
-                <a:buClr>
-                  <a:schemeClr val="accent1"/>
-                </a:buClr>
-                <a:buFont typeface="Calibri" pitchFamily="34" charset="0"/>
-                <a:buChar char="◦"/>
-                <a:defRPr sz="1400" kern="1200">
-                  <a:solidFill>
-                    <a:schemeClr val="tx1">
-                      <a:lumMod val="75000"/>
-                      <a:lumOff val="25000"/>
-                    </a:schemeClr>
-                  </a:solidFill>
-                  <a:latin typeface="+mn-lt"/>
-                  <a:ea typeface="+mn-ea"/>
-                  <a:cs typeface="+mn-cs"/>
-                </a:defRPr>
-              </a:lvl8pPr>
-              <a:lvl9pPr marL="1700000" indent="-228600" algn="l" defTabSz="914400" rtl="0" eaLnBrk="1" latinLnBrk="0" hangingPunct="1">
-                <a:lnSpc>
-                  <a:spcPct val="90000"/>
-                </a:lnSpc>
-                <a:spcBef>
-                  <a:spcPts val="200"/>
-                </a:spcBef>
-                <a:spcAft>
-                  <a:spcPts val="400"/>
-                </a:spcAft>
-                <a:buClr>
-                  <a:schemeClr val="accent1"/>
-                </a:buClr>
-                <a:buFont typeface="Calibri" pitchFamily="34" charset="0"/>
-                <a:buChar char="◦"/>
-                <a:defRPr sz="1400" kern="1200">
-                  <a:solidFill>
-                    <a:schemeClr val="tx1">
-                      <a:lumMod val="75000"/>
-                      <a:lumOff val="25000"/>
-                    </a:schemeClr>
-                  </a:solidFill>
-                  <a:latin typeface="+mn-lt"/>
-                  <a:ea typeface="+mn-ea"/>
-                  <a:cs typeface="+mn-cs"/>
-                </a:defRPr>
-              </a:lvl9pPr>
-            </a:lstStyle>
-            <a:p>
-              <a:r>
-                <a:rPr lang="en-US" sz="2800" b="1" i="1" dirty="0" smtClean="0"/>
-                <a:t>Community Orgs</a:t>
+                <a:t>Community</a:t>
               </a:r>
             </a:p>
           </p:txBody>
@@ -9693,19 +9958,24 @@
           </a:xfrm>
         </p:spPr>
         <p:txBody>
-          <a:bodyPr/>
+          <a:bodyPr>
+            <a:normAutofit/>
+          </a:bodyPr>
           <a:lstStyle/>
           <a:p>
             <a:endParaRPr lang="en-US" altLang="en-US" dirty="0" smtClean="0"/>
           </a:p>
           <a:p>
-            <a:r>
-              <a:rPr lang="en-US" sz="4000" b="1" dirty="0" err="1" smtClean="0"/>
+            <a:pPr marL="0" indent="0">
+              <a:buNone/>
+            </a:pPr>
+            <a:r>
+              <a:rPr lang="en-US" sz="4000" b="1" dirty="0" smtClean="0"/>
               <a:t>Touricana</a:t>
             </a:r>
             <a:r>
               <a:rPr lang="en-US" sz="4000" dirty="0" smtClean="0"/>
-              <a:t> is web and mobile app where visitors can find </a:t>
+              <a:t> is web and mobile app where visitors can find and take </a:t>
             </a:r>
             <a:r>
               <a:rPr lang="en-US" sz="4000" b="1" dirty="0" smtClean="0"/>
@@ -9803,7 +10073,7 @@
             <a:pPr marL="558800" lvl="1" indent="-382588"/>
             <a:r>
               <a:rPr lang="en-US" sz="3200" dirty="0"/>
-              <a:t>Local History Authors and Academics</a:t>
+              <a:t>Preservation societies</a:t>
             </a:r>
           </a:p>
           <a:p>
@@ -9814,37 +10084,25 @@
             </a:r>
             <a:r>
               <a:rPr lang="en-US" sz="3200" dirty="0"/>
-              <a:t>Business </a:t>
-            </a:r>
+              <a:t>Business Associations</a:t>
+            </a:r>
+          </a:p>
+          <a:p>
+            <a:pPr marL="558800" lvl="1" indent="-382588"/>
             <a:r>
               <a:rPr lang="en-US" sz="3200" dirty="0" smtClean="0"/>
-              <a:t>Associations</a:t>
-            </a:r>
-            <a:endParaRPr lang="en-US" sz="3200" dirty="0"/>
+              <a:t>Local Governments</a:t>
+            </a:r>
           </a:p>
           <a:p>
             <a:pPr marL="558800" lvl="1" indent="-382588"/>
             <a:r>
+              <a:rPr lang="en-US" sz="3200" dirty="0" smtClean="0"/>
+              <a:t>Parks </a:t>
+            </a:r>
+            <a:r>
               <a:rPr lang="en-US" sz="3200" dirty="0"/>
-              <a:t>Parks</a:t>
-            </a:r>
-          </a:p>
-          <a:p>
-            <a:pPr marL="558800" lvl="1" indent="-382588"/>
-            <a:r>
-              <a:rPr lang="en-US" sz="3200" dirty="0"/>
-              <a:t>Local Governments</a:t>
-            </a:r>
-          </a:p>
-          <a:p>
-            <a:pPr marL="558800" lvl="1" indent="-382588"/>
-            <a:r>
-              <a:rPr lang="en-US" sz="3200" dirty="0" smtClean="0"/>
-              <a:t>Preservation </a:t>
-            </a:r>
-            <a:r>
-              <a:rPr lang="en-US" sz="3200" dirty="0"/>
-              <a:t>societies</a:t>
+              <a:t>and Natural Landmarks</a:t>
             </a:r>
           </a:p>
           <a:p>
@@ -9948,13 +10206,6 @@
             <a:pPr marL="558800" lvl="1" indent="-382588"/>
             <a:r>
               <a:rPr lang="en-US" sz="3200" dirty="0" smtClean="0"/>
-              <a:t>Road trippers </a:t>
-            </a:r>
-          </a:p>
-          <a:p>
-            <a:pPr marL="558800" lvl="1" indent="-382588"/>
-            <a:r>
-              <a:rPr lang="en-US" sz="3200" dirty="0" smtClean="0"/>
               <a:t>Touring cyclists</a:t>
             </a:r>
           </a:p>
@@ -10081,6 +10332,14 @@
           </a:bodyPr>
           <a:lstStyle/>
           <a:p>
+            <a:pPr>
+              <a:spcBef>
+                <a:spcPts val="200"/>
+              </a:spcBef>
+              <a:spcAft>
+                <a:spcPts val="400"/>
+              </a:spcAft>
+            </a:pPr>
             <a:r>
               <a:rPr lang="en-US" altLang="en-US" sz="2800" dirty="0" smtClean="0"/>
               <a:t>Start-up Development</a:t>
@@ -10126,6 +10385,14 @@
             </a:r>
           </a:p>
           <a:p>
+            <a:pPr>
+              <a:spcBef>
+                <a:spcPts val="200"/>
+              </a:spcBef>
+              <a:spcAft>
+                <a:spcPts val="400"/>
+              </a:spcAft>
+            </a:pPr>
             <a:r>
               <a:rPr lang="en-US" altLang="en-US" sz="2800" dirty="0" smtClean="0"/>
               <a:t>Data Sources</a:t>

--- a/Touricana RHH Presentation FINAL.pptx
+++ b/Touricana RHH Presentation FINAL.pptx
@@ -5,10 +5,10 @@
     <p:sldMasterId id="2147484189" r:id="rId1"/>
   </p:sldMasterIdLst>
   <p:notesMasterIdLst>
-    <p:notesMasterId r:id="rId17"/>
+    <p:notesMasterId r:id="rId16"/>
   </p:notesMasterIdLst>
   <p:handoutMasterIdLst>
-    <p:handoutMasterId r:id="rId18"/>
+    <p:handoutMasterId r:id="rId17"/>
   </p:handoutMasterIdLst>
   <p:sldIdLst>
     <p:sldId id="274" r:id="rId2"/>
@@ -22,10 +22,9 @@
     <p:sldId id="275" r:id="rId10"/>
     <p:sldId id="289" r:id="rId11"/>
     <p:sldId id="258" r:id="rId12"/>
-    <p:sldId id="291" r:id="rId13"/>
-    <p:sldId id="276" r:id="rId14"/>
-    <p:sldId id="279" r:id="rId15"/>
-    <p:sldId id="270" r:id="rId16"/>
+    <p:sldId id="276" r:id="rId13"/>
+    <p:sldId id="279" r:id="rId14"/>
+    <p:sldId id="270" r:id="rId15"/>
   </p:sldIdLst>
   <p:sldSz cx="12192000" cy="6858000"/>
   <p:notesSz cx="6858000" cy="9144000"/>
@@ -1801,7 +1800,7 @@
       </p:grpSpPr>
       <p:sp>
         <p:nvSpPr>
-          <p:cNvPr id="26625" name="Slide Image Placeholder 1"/>
+          <p:cNvPr id="2" name="Slide Image Placeholder 1"/>
           <p:cNvSpPr>
             <a:spLocks noGrp="1" noRot="1" noChangeAspect="1"/>
           </p:cNvSpPr>
@@ -1809,30 +1808,11 @@
             <p:ph type="sldImg"/>
           </p:nvPr>
         </p:nvSpPr>
-        <p:spPr bwMode="auto">
-          <a:noFill/>
-          <a:ln>
-            <a:solidFill>
-              <a:srgbClr val="000000"/>
-            </a:solidFill>
-            <a:miter lim="800000"/>
-            <a:headEnd/>
-            <a:tailEnd/>
-          </a:ln>
-          <a:extLst>
-            <a:ext uri="{909E8E84-426E-40dd-AFC4-6F175D3DCCD1}">
-              <a14:hiddenFill xmlns:a14="http://schemas.microsoft.com/office/drawing/2010/main">
-                <a:solidFill>
-                  <a:srgbClr val="FFFFFF"/>
-                </a:solidFill>
-              </a14:hiddenFill>
-            </a:ext>
-          </a:extLst>
-        </p:spPr>
-      </p:sp>
-      <p:sp>
-        <p:nvSpPr>
-          <p:cNvPr id="26626" name="Notes Placeholder 2"/>
+        <p:spPr/>
+      </p:sp>
+      <p:sp>
+        <p:nvSpPr>
+          <p:cNvPr id="3" name="Notes Placeholder 2"/>
           <p:cNvSpPr>
             <a:spLocks noGrp="1"/>
           </p:cNvSpPr>
@@ -1840,207 +1820,66 @@
             <p:ph type="body" idx="1"/>
           </p:nvPr>
         </p:nvSpPr>
-        <p:spPr bwMode="auto">
-          <a:noFill/>
-          <a:extLst>
-            <a:ext uri="{909E8E84-426E-40dd-AFC4-6F175D3DCCD1}">
-              <a14:hiddenFill xmlns:a14="http://schemas.microsoft.com/office/drawing/2010/main">
-                <a:solidFill>
-                  <a:srgbClr val="FFFFFF"/>
-                </a:solidFill>
-              </a14:hiddenFill>
-            </a:ext>
-            <a:ext uri="{91240B29-F687-4f45-9708-019B960494DF}">
-              <a14:hiddenLine xmlns:a14="http://schemas.microsoft.com/office/drawing/2010/main" w="9525">
-                <a:solidFill>
-                  <a:srgbClr val="000000"/>
-                </a:solidFill>
-                <a:miter lim="800000"/>
-                <a:headEnd/>
-                <a:tailEnd/>
-              </a14:hiddenLine>
-            </a:ext>
-          </a:extLst>
-        </p:spPr>
-        <p:txBody>
-          <a:bodyPr wrap="square" numCol="1" anchor="t" anchorCtr="0" compatLnSpc="1">
-            <a:prstTxWarp prst="textNoShape">
-              <a:avLst/>
-            </a:prstTxWarp>
-          </a:bodyPr>
+        <p:spPr/>
+        <p:txBody>
+          <a:bodyPr/>
           <a:lstStyle/>
           <a:p>
-            <a:pPr marL="0" indent="0" eaLnBrk="1" hangingPunct="1">
+            <a:pPr marL="0" marR="0" indent="0" algn="l" defTabSz="457200" rtl="0" eaLnBrk="0" fontAlgn="base" latinLnBrk="0" hangingPunct="0">
+              <a:lnSpc>
+                <a:spcPct val="100000"/>
+              </a:lnSpc>
               <a:spcBef>
-                <a:spcPct val="0"/>
-              </a:spcBef>
-              <a:buFontTx/>
-              <a:buNone/>
-            </a:pPr>
-            <a:endParaRPr lang="en-US" altLang="en-US" dirty="0" smtClean="0"/>
-          </a:p>
-        </p:txBody>
-      </p:sp>
-      <p:sp>
-        <p:nvSpPr>
-          <p:cNvPr id="26627" name="Slide Number Placeholder 3"/>
-          <p:cNvSpPr>
-            <a:spLocks noGrp="1"/>
-          </p:cNvSpPr>
-          <p:nvPr>
-            <p:ph type="sldNum" sz="quarter" idx="5"/>
-          </p:nvPr>
-        </p:nvSpPr>
-        <p:spPr bwMode="auto">
-          <a:noFill/>
-          <a:extLst>
-            <a:ext uri="{909E8E84-426E-40dd-AFC4-6F175D3DCCD1}">
-              <a14:hiddenFill xmlns:a14="http://schemas.microsoft.com/office/drawing/2010/main">
-                <a:solidFill>
-                  <a:srgbClr val="FFFFFF"/>
-                </a:solidFill>
-              </a14:hiddenFill>
-            </a:ext>
-            <a:ext uri="{91240B29-F687-4f45-9708-019B960494DF}">
-              <a14:hiddenLine xmlns:a14="http://schemas.microsoft.com/office/drawing/2010/main" w="9525">
-                <a:solidFill>
-                  <a:srgbClr val="000000"/>
-                </a:solidFill>
-                <a:miter lim="800000"/>
-                <a:headEnd/>
-                <a:tailEnd/>
-              </a14:hiddenLine>
-            </a:ext>
-          </a:extLst>
-        </p:spPr>
-        <p:txBody>
-          <a:bodyPr/>
-          <a:lstStyle>
-            <a:lvl1pPr eaLnBrk="0" hangingPunct="0">
-              <a:defRPr sz="2400">
-                <a:solidFill>
-                  <a:schemeClr val="tx1"/>
-                </a:solidFill>
-                <a:latin typeface="Trebuchet MS" panose="020B0603020202020204" pitchFamily="34" charset="0"/>
-                <a:ea typeface="MS PGothic" panose="020B0600070205080204" pitchFamily="34" charset="-128"/>
-              </a:defRPr>
-            </a:lvl1pPr>
-            <a:lvl2pPr marL="742950" indent="-285750" eaLnBrk="0" hangingPunct="0">
-              <a:defRPr sz="2400">
-                <a:solidFill>
-                  <a:schemeClr val="tx1"/>
-                </a:solidFill>
-                <a:latin typeface="Trebuchet MS" panose="020B0603020202020204" pitchFamily="34" charset="0"/>
-                <a:ea typeface="MS PGothic" panose="020B0600070205080204" pitchFamily="34" charset="-128"/>
-              </a:defRPr>
-            </a:lvl2pPr>
-            <a:lvl3pPr marL="1143000" indent="-228600" eaLnBrk="0" hangingPunct="0">
-              <a:defRPr sz="2400">
-                <a:solidFill>
-                  <a:schemeClr val="tx1"/>
-                </a:solidFill>
-                <a:latin typeface="Trebuchet MS" panose="020B0603020202020204" pitchFamily="34" charset="0"/>
-                <a:ea typeface="MS PGothic" panose="020B0600070205080204" pitchFamily="34" charset="-128"/>
-              </a:defRPr>
-            </a:lvl3pPr>
-            <a:lvl4pPr marL="1600200" indent="-228600" eaLnBrk="0" hangingPunct="0">
-              <a:defRPr sz="2400">
-                <a:solidFill>
-                  <a:schemeClr val="tx1"/>
-                </a:solidFill>
-                <a:latin typeface="Trebuchet MS" panose="020B0603020202020204" pitchFamily="34" charset="0"/>
-                <a:ea typeface="MS PGothic" panose="020B0600070205080204" pitchFamily="34" charset="-128"/>
-              </a:defRPr>
-            </a:lvl4pPr>
-            <a:lvl5pPr marL="2057400" indent="-228600" eaLnBrk="0" hangingPunct="0">
-              <a:defRPr sz="2400">
-                <a:solidFill>
-                  <a:schemeClr val="tx1"/>
-                </a:solidFill>
-                <a:latin typeface="Trebuchet MS" panose="020B0603020202020204" pitchFamily="34" charset="0"/>
-                <a:ea typeface="MS PGothic" panose="020B0600070205080204" pitchFamily="34" charset="-128"/>
-              </a:defRPr>
-            </a:lvl5pPr>
-            <a:lvl6pPr marL="2514600" indent="-228600" defTabSz="457200" eaLnBrk="0" fontAlgn="base" hangingPunct="0">
-              <a:spcBef>
-                <a:spcPct val="0"/>
+                <a:spcPct val="30000"/>
               </a:spcBef>
               <a:spcAft>
                 <a:spcPct val="0"/>
               </a:spcAft>
-              <a:defRPr sz="2400">
-                <a:solidFill>
-                  <a:schemeClr val="tx1"/>
-                </a:solidFill>
-                <a:latin typeface="Trebuchet MS" panose="020B0603020202020204" pitchFamily="34" charset="0"/>
-                <a:ea typeface="MS PGothic" panose="020B0600070205080204" pitchFamily="34" charset="-128"/>
-              </a:defRPr>
-            </a:lvl6pPr>
-            <a:lvl7pPr marL="2971800" indent="-228600" defTabSz="457200" eaLnBrk="0" fontAlgn="base" hangingPunct="0">
-              <a:spcBef>
-                <a:spcPct val="0"/>
-              </a:spcBef>
-              <a:spcAft>
-                <a:spcPct val="0"/>
-              </a:spcAft>
-              <a:defRPr sz="2400">
-                <a:solidFill>
-                  <a:schemeClr val="tx1"/>
-                </a:solidFill>
-                <a:latin typeface="Trebuchet MS" panose="020B0603020202020204" pitchFamily="34" charset="0"/>
-                <a:ea typeface="MS PGothic" panose="020B0600070205080204" pitchFamily="34" charset="-128"/>
-              </a:defRPr>
-            </a:lvl7pPr>
-            <a:lvl8pPr marL="3429000" indent="-228600" defTabSz="457200" eaLnBrk="0" fontAlgn="base" hangingPunct="0">
-              <a:spcBef>
-                <a:spcPct val="0"/>
-              </a:spcBef>
-              <a:spcAft>
-                <a:spcPct val="0"/>
-              </a:spcAft>
-              <a:defRPr sz="2400">
-                <a:solidFill>
-                  <a:schemeClr val="tx1"/>
-                </a:solidFill>
-                <a:latin typeface="Trebuchet MS" panose="020B0603020202020204" pitchFamily="34" charset="0"/>
-                <a:ea typeface="MS PGothic" panose="020B0600070205080204" pitchFamily="34" charset="-128"/>
-              </a:defRPr>
-            </a:lvl8pPr>
-            <a:lvl9pPr marL="3886200" indent="-228600" defTabSz="457200" eaLnBrk="0" fontAlgn="base" hangingPunct="0">
-              <a:spcBef>
-                <a:spcPct val="0"/>
-              </a:spcBef>
-              <a:spcAft>
-                <a:spcPct val="0"/>
-              </a:spcAft>
-              <a:defRPr sz="2400">
-                <a:solidFill>
-                  <a:schemeClr val="tx1"/>
-                </a:solidFill>
-                <a:latin typeface="Trebuchet MS" panose="020B0603020202020204" pitchFamily="34" charset="0"/>
-                <a:ea typeface="MS PGothic" panose="020B0600070205080204" pitchFamily="34" charset="-128"/>
-              </a:defRPr>
-            </a:lvl9pPr>
-          </a:lstStyle>
-          <a:p>
-            <a:pPr eaLnBrk="1" hangingPunct="1"/>
-            <a:fld id="{3D4B5616-DA4E-4598-9808-D64E28A3B5EC}" type="slidenum">
-              <a:rPr lang="en-US" altLang="en-US" sz="1200">
-                <a:latin typeface="Calibri" panose="020F0502020204030204" pitchFamily="34" charset="0"/>
-              </a:rPr>
-              <a:pPr eaLnBrk="1" hangingPunct="1"/>
+              <a:buClrTx/>
+              <a:buSzTx/>
+              <a:buFontTx/>
+              <a:buNone/>
+              <a:tabLst/>
+              <a:defRPr/>
+            </a:pPr>
+            <a:r>
+              <a:rPr lang="en-US" altLang="en-US" dirty="0" smtClean="0"/>
+              <a:t>Help visitors find “Hidden Gems”</a:t>
+            </a:r>
+          </a:p>
+          <a:p>
+            <a:endParaRPr lang="en-US" dirty="0"/>
+          </a:p>
+        </p:txBody>
+      </p:sp>
+      <p:sp>
+        <p:nvSpPr>
+          <p:cNvPr id="4" name="Slide Number Placeholder 3"/>
+          <p:cNvSpPr>
+            <a:spLocks noGrp="1"/>
+          </p:cNvSpPr>
+          <p:nvPr>
+            <p:ph type="sldNum" sz="quarter" idx="10"/>
+          </p:nvPr>
+        </p:nvSpPr>
+        <p:spPr/>
+        <p:txBody>
+          <a:bodyPr/>
+          <a:lstStyle/>
+          <a:p>
+            <a:fld id="{4AD5A345-5AAA-4115-A93C-05D34B8929E3}" type="slidenum">
+              <a:rPr lang="en-US" altLang="en-US" smtClean="0"/>
+              <a:pPr/>
               <a:t>12</a:t>
             </a:fld>
-            <a:endParaRPr lang="en-US" altLang="en-US" sz="1200">
-              <a:latin typeface="Calibri" panose="020F0502020204030204" pitchFamily="34" charset="0"/>
-            </a:endParaRPr>
+            <a:endParaRPr lang="en-US" altLang="en-US"/>
           </a:p>
         </p:txBody>
       </p:sp>
     </p:spTree>
     <p:extLst>
       <p:ext uri="{BB962C8B-B14F-4D97-AF65-F5344CB8AC3E}">
-        <p14:creationId xmlns:p14="http://schemas.microsoft.com/office/powerpoint/2010/main" val="1107504718"/>
+        <p14:creationId xmlns:p14="http://schemas.microsoft.com/office/powerpoint/2010/main" val="4048421148"/>
       </p:ext>
     </p:extLst>
   </p:cSld>
@@ -2069,114 +1908,6 @@
       </p:grpSpPr>
       <p:sp>
         <p:nvSpPr>
-          <p:cNvPr id="2" name="Slide Image Placeholder 1"/>
-          <p:cNvSpPr>
-            <a:spLocks noGrp="1" noRot="1" noChangeAspect="1"/>
-          </p:cNvSpPr>
-          <p:nvPr>
-            <p:ph type="sldImg"/>
-          </p:nvPr>
-        </p:nvSpPr>
-        <p:spPr/>
-      </p:sp>
-      <p:sp>
-        <p:nvSpPr>
-          <p:cNvPr id="3" name="Notes Placeholder 2"/>
-          <p:cNvSpPr>
-            <a:spLocks noGrp="1"/>
-          </p:cNvSpPr>
-          <p:nvPr>
-            <p:ph type="body" idx="1"/>
-          </p:nvPr>
-        </p:nvSpPr>
-        <p:spPr/>
-        <p:txBody>
-          <a:bodyPr/>
-          <a:lstStyle/>
-          <a:p>
-            <a:pPr marL="0" marR="0" indent="0" algn="l" defTabSz="457200" rtl="0" eaLnBrk="0" fontAlgn="base" latinLnBrk="0" hangingPunct="0">
-              <a:lnSpc>
-                <a:spcPct val="100000"/>
-              </a:lnSpc>
-              <a:spcBef>
-                <a:spcPct val="30000"/>
-              </a:spcBef>
-              <a:spcAft>
-                <a:spcPct val="0"/>
-              </a:spcAft>
-              <a:buClrTx/>
-              <a:buSzTx/>
-              <a:buFontTx/>
-              <a:buNone/>
-              <a:tabLst/>
-              <a:defRPr/>
-            </a:pPr>
-            <a:r>
-              <a:rPr lang="en-US" altLang="en-US" dirty="0" smtClean="0"/>
-              <a:t>Help visitors find “Hidden Gems”</a:t>
-            </a:r>
-          </a:p>
-          <a:p>
-            <a:endParaRPr lang="en-US" dirty="0"/>
-          </a:p>
-        </p:txBody>
-      </p:sp>
-      <p:sp>
-        <p:nvSpPr>
-          <p:cNvPr id="4" name="Slide Number Placeholder 3"/>
-          <p:cNvSpPr>
-            <a:spLocks noGrp="1"/>
-          </p:cNvSpPr>
-          <p:nvPr>
-            <p:ph type="sldNum" sz="quarter" idx="10"/>
-          </p:nvPr>
-        </p:nvSpPr>
-        <p:spPr/>
-        <p:txBody>
-          <a:bodyPr/>
-          <a:lstStyle/>
-          <a:p>
-            <a:fld id="{4AD5A345-5AAA-4115-A93C-05D34B8929E3}" type="slidenum">
-              <a:rPr lang="en-US" altLang="en-US" smtClean="0"/>
-              <a:pPr/>
-              <a:t>13</a:t>
-            </a:fld>
-            <a:endParaRPr lang="en-US" altLang="en-US"/>
-          </a:p>
-        </p:txBody>
-      </p:sp>
-    </p:spTree>
-    <p:extLst>
-      <p:ext uri="{BB962C8B-B14F-4D97-AF65-F5344CB8AC3E}">
-        <p14:creationId xmlns:p14="http://schemas.microsoft.com/office/powerpoint/2010/main" val="4048421148"/>
-      </p:ext>
-    </p:extLst>
-  </p:cSld>
-  <p:clrMapOvr>
-    <a:masterClrMapping/>
-  </p:clrMapOvr>
-</p:notes>
-</file>
-
-<file path=ppt/notesSlides/notesSlide14.xml><?xml version="1.0" encoding="utf-8"?>
-<p:notes xmlns:a="http://schemas.openxmlformats.org/drawingml/2006/main" xmlns:r="http://schemas.openxmlformats.org/officeDocument/2006/relationships" xmlns:p="http://schemas.openxmlformats.org/presentationml/2006/main">
-  <p:cSld>
-    <p:spTree>
-      <p:nvGrpSpPr>
-        <p:cNvPr id="1" name=""/>
-        <p:cNvGrpSpPr/>
-        <p:nvPr/>
-      </p:nvGrpSpPr>
-      <p:grpSpPr>
-        <a:xfrm>
-          <a:off x="0" y="0"/>
-          <a:ext cx="0" cy="0"/>
-          <a:chOff x="0" y="0"/>
-          <a:chExt cx="0" cy="0"/>
-        </a:xfrm>
-      </p:grpSpPr>
-      <p:sp>
-        <p:nvSpPr>
           <p:cNvPr id="29697" name="Slide Image Placeholder 1"/>
           <p:cNvSpPr>
             <a:spLocks noGrp="1" noRot="1" noChangeAspect="1"/>
@@ -2377,7 +2108,7 @@
                 <a:latin typeface="Calibri" panose="020F0502020204030204" pitchFamily="34" charset="0"/>
               </a:rPr>
               <a:pPr eaLnBrk="1" hangingPunct="1"/>
-              <a:t>15</a:t>
+              <a:t>14</a:t>
             </a:fld>
             <a:endParaRPr lang="en-US" altLang="en-US" sz="1200">
               <a:latin typeface="Calibri" panose="020F0502020204030204" pitchFamily="34" charset="0"/>
@@ -2902,7 +2633,7 @@
             </a:pPr>
             <a:r>
               <a:rPr lang="en-US" altLang="en-US" baseline="0" dirty="0" smtClean="0"/>
-              <a:t>There’s no way to Google ”What would I love in Red Wing, MN?” Existing solutions, even location-based ones like Yelp, require searching by each specific interest. This is not only time-intensive, but with all the behind-the-curtain forces determining what we see online, it can be unreliable, or simply not have the visitor’s experience as a priority. </a:t>
+              <a:t>I can’t just Google ”What would I love in Red Wing, MN?” Existing solutions, even location-based ones like Yelp, require searching by each specific interest. This is not only time-intensive, but with all the behind-the-curtain forces determining what we see online, it can be unreliable, and doesn’t have the visitor’s experience as a priority. </a:t>
             </a:r>
           </a:p>
           <a:p>
@@ -3141,7 +2872,7 @@
             </a:r>
             <a:r>
               <a:rPr lang="en-US" baseline="0" dirty="0" smtClean="0"/>
-              <a:t> notion of community stakeholders, starting out, is those </a:t>
+              <a:t> initial partners are what we call community stakeholders. These are orgs </a:t>
             </a:r>
             <a:r>
               <a:rPr lang="en-US" dirty="0" smtClean="0"/>
@@ -8090,17 +7821,14 @@
         </p:spPr>
         <p:txBody>
           <a:bodyPr>
-            <a:normAutofit fontScale="70000" lnSpcReduction="20000"/>
+            <a:normAutofit fontScale="92500" lnSpcReduction="20000"/>
           </a:bodyPr>
           <a:lstStyle/>
           <a:p>
             <a:pPr lvl="1" eaLnBrk="1" hangingPunct="1">
               <a:lnSpc>
-                <a:spcPct val="150000"/>
+                <a:spcPct val="110000"/>
               </a:lnSpc>
-              <a:spcAft>
-                <a:spcPts val="200"/>
-              </a:spcAft>
             </a:pPr>
             <a:r>
               <a:rPr lang="en-US" altLang="en-US" sz="3600" dirty="0" smtClean="0"/>
@@ -8115,11 +7843,8 @@
           <a:p>
             <a:pPr lvl="1" eaLnBrk="1" hangingPunct="1">
               <a:lnSpc>
-                <a:spcPct val="150000"/>
+                <a:spcPct val="110000"/>
               </a:lnSpc>
-              <a:spcAft>
-                <a:spcPts val="200"/>
-              </a:spcAft>
             </a:pPr>
             <a:r>
               <a:rPr lang="en-US" altLang="en-US" sz="3600" dirty="0" smtClean="0"/>
@@ -8129,11 +7854,8 @@
           <a:p>
             <a:pPr marL="808355" lvl="2" indent="-425450">
               <a:lnSpc>
-                <a:spcPct val="120000"/>
+                <a:spcPct val="110000"/>
               </a:lnSpc>
-              <a:spcAft>
-                <a:spcPts val="200"/>
-              </a:spcAft>
             </a:pPr>
             <a:r>
               <a:rPr lang="en-US" altLang="en-US" sz="2900" dirty="0" smtClean="0"/>
@@ -8143,11 +7865,8 @@
           <a:p>
             <a:pPr marL="808355" lvl="2" indent="-425450">
               <a:lnSpc>
-                <a:spcPct val="150000"/>
+                <a:spcPct val="110000"/>
               </a:lnSpc>
-              <a:spcAft>
-                <a:spcPts val="200"/>
-              </a:spcAft>
             </a:pPr>
             <a:r>
               <a:rPr lang="en-US" altLang="en-US" sz="2900" dirty="0" smtClean="0"/>
@@ -8157,11 +7876,8 @@
           <a:p>
             <a:pPr marL="808355" lvl="2" indent="-425450">
               <a:lnSpc>
-                <a:spcPct val="150000"/>
+                <a:spcPct val="110000"/>
               </a:lnSpc>
-              <a:spcAft>
-                <a:spcPts val="200"/>
-              </a:spcAft>
             </a:pPr>
             <a:r>
               <a:rPr lang="en-US" altLang="en-US" sz="2900" dirty="0" smtClean="0"/>
@@ -8171,11 +7887,8 @@
           <a:p>
             <a:pPr marL="808355" lvl="2" indent="-425450">
               <a:lnSpc>
-                <a:spcPct val="150000"/>
+                <a:spcPct val="110000"/>
               </a:lnSpc>
-              <a:spcAft>
-                <a:spcPts val="200"/>
-              </a:spcAft>
             </a:pPr>
             <a:r>
               <a:rPr lang="en-US" altLang="en-US" sz="2900" dirty="0" smtClean="0"/>
@@ -8185,11 +7898,8 @@
           <a:p>
             <a:pPr lvl="1">
               <a:lnSpc>
-                <a:spcPct val="150000"/>
+                <a:spcPct val="110000"/>
               </a:lnSpc>
-              <a:spcAft>
-                <a:spcPts val="200"/>
-              </a:spcAft>
             </a:pPr>
             <a:r>
               <a:rPr lang="en-US" altLang="en-US" sz="3600" dirty="0"/>
@@ -8199,11 +7909,8 @@
           <a:p>
             <a:pPr marL="742950" lvl="2" indent="-352425">
               <a:lnSpc>
-                <a:spcPct val="150000"/>
+                <a:spcPct val="110000"/>
               </a:lnSpc>
-              <a:spcAft>
-                <a:spcPts val="200"/>
-              </a:spcAft>
             </a:pPr>
             <a:r>
               <a:rPr lang="en-US" altLang="en-US" sz="2900" dirty="0"/>
@@ -8213,11 +7920,8 @@
           <a:p>
             <a:pPr marL="742950" lvl="2" indent="-352425">
               <a:lnSpc>
-                <a:spcPct val="150000"/>
+                <a:spcPct val="110000"/>
               </a:lnSpc>
-              <a:spcAft>
-                <a:spcPts val="200"/>
-              </a:spcAft>
             </a:pPr>
             <a:r>
               <a:rPr lang="en-US" altLang="en-US" sz="2900" dirty="0"/>
@@ -8227,22 +7931,16 @@
           <a:p>
             <a:pPr marL="808355" lvl="2" indent="-425450">
               <a:lnSpc>
-                <a:spcPct val="150000"/>
+                <a:spcPct val="110000"/>
               </a:lnSpc>
-              <a:spcAft>
-                <a:spcPts val="200"/>
-              </a:spcAft>
             </a:pPr>
             <a:endParaRPr lang="en-US" altLang="en-US" sz="2400" dirty="0" smtClean="0"/>
           </a:p>
           <a:p>
             <a:pPr lvl="2">
               <a:lnSpc>
-                <a:spcPct val="150000"/>
+                <a:spcPct val="110000"/>
               </a:lnSpc>
-              <a:spcAft>
-                <a:spcPts val="200"/>
-              </a:spcAft>
             </a:pPr>
             <a:endParaRPr lang="en-US" altLang="en-US" sz="3200" dirty="0" smtClean="0"/>
           </a:p>
@@ -8282,7 +7980,7 @@
       </p:grpSpPr>
       <p:sp>
         <p:nvSpPr>
-          <p:cNvPr id="25601" name="Title 1"/>
+          <p:cNvPr id="27649" name="Title 1"/>
           <p:cNvSpPr>
             <a:spLocks noGrp="1"/>
           </p:cNvSpPr>
@@ -8295,17 +7993,16 @@
           <a:bodyPr/>
           <a:lstStyle/>
           <a:p>
-            <a:pPr eaLnBrk="1" hangingPunct="1"/>
             <a:r>
               <a:rPr lang="en-US" altLang="en-US" dirty="0" smtClean="0"/>
-              <a:t>Project / Application Details </a:t>
-            </a:r>
-          </a:p>
-        </p:txBody>
-      </p:sp>
-      <p:sp>
-        <p:nvSpPr>
-          <p:cNvPr id="25602" name="Content Placeholder 2"/>
+              <a:t> Unique Value Added</a:t>
+            </a:r>
+          </a:p>
+        </p:txBody>
+      </p:sp>
+      <p:sp>
+        <p:nvSpPr>
+          <p:cNvPr id="27650" name="Content Placeholder 2"/>
           <p:cNvSpPr>
             <a:spLocks noGrp="1"/>
           </p:cNvSpPr>
@@ -8315,8 +8012,8 @@
         </p:nvSpPr>
         <p:spPr>
           <a:xfrm>
-            <a:off x="1065896" y="1680307"/>
-            <a:ext cx="10082175" cy="4474307"/>
+            <a:off x="742462" y="2129692"/>
+            <a:ext cx="10707076" cy="3739402"/>
           </a:xfrm>
         </p:spPr>
         <p:txBody>
@@ -8325,21 +8022,59 @@
           </a:bodyPr>
           <a:lstStyle/>
           <a:p>
-            <a:pPr lvl="1">
-              <a:lnSpc>
-                <a:spcPct val="150000"/>
-              </a:lnSpc>
+            <a:pPr algn="ctr">
+              <a:spcBef>
+                <a:spcPts val="0"/>
+              </a:spcBef>
             </a:pPr>
-            <a:endParaRPr lang="en-US" altLang="en-US" sz="3200" dirty="0"/>
+            <a:r>
+              <a:rPr lang="en-US" altLang="en-US" sz="4000" dirty="0" smtClean="0"/>
+              <a:t>With </a:t>
+            </a:r>
+            <a:r>
+              <a:rPr lang="en-US" altLang="en-US" sz="4000" b="1" dirty="0" smtClean="0"/>
+              <a:t>minimal overhead</a:t>
+            </a:r>
+            <a:r>
+              <a:rPr lang="en-US" altLang="en-US" sz="4000" dirty="0" smtClean="0"/>
+              <a:t>, </a:t>
+            </a:r>
+          </a:p>
+          <a:p>
+            <a:pPr algn="ctr">
+              <a:spcBef>
+                <a:spcPts val="0"/>
+              </a:spcBef>
+            </a:pPr>
+            <a:r>
+              <a:rPr lang="en-US" altLang="en-US" sz="4000" dirty="0" smtClean="0"/>
+              <a:t>community stakeholders </a:t>
+            </a:r>
+            <a:r>
+              <a:rPr lang="en-US" altLang="en-US" sz="4000" dirty="0"/>
+              <a:t>can </a:t>
+            </a:r>
+            <a:r>
+              <a:rPr lang="en-US" altLang="en-US" sz="4000" dirty="0" smtClean="0"/>
+              <a:t>provide visitors with a </a:t>
+            </a:r>
+            <a:r>
+              <a:rPr lang="en-US" altLang="en-US" sz="4000" b="1" dirty="0" smtClean="0"/>
+              <a:t>location-based, </a:t>
+            </a:r>
+            <a:r>
+              <a:rPr lang="en-US" altLang="en-US" sz="4000" b="1" dirty="0" smtClean="0"/>
+              <a:t>preference-driven, c</a:t>
+            </a:r>
+            <a:r>
+              <a:rPr lang="en-US" altLang="en-US" sz="4000" b="1" dirty="0" smtClean="0"/>
+              <a:t>urated experience. </a:t>
+            </a:r>
+            <a:endParaRPr lang="en-US" altLang="en-US" sz="1800" b="1" dirty="0" smtClean="0"/>
           </a:p>
         </p:txBody>
       </p:sp>
     </p:spTree>
-    <p:extLst>
-      <p:ext uri="{BB962C8B-B14F-4D97-AF65-F5344CB8AC3E}">
-        <p14:creationId xmlns:p14="http://schemas.microsoft.com/office/powerpoint/2010/main" val="3538673456"/>
-      </p:ext>
-    </p:extLst>
   </p:cSld>
   <p:clrMapOvr>
     <a:masterClrMapping/>
@@ -8373,129 +8108,6 @@
       </p:grpSpPr>
       <p:sp>
         <p:nvSpPr>
-          <p:cNvPr id="27649" name="Title 1"/>
-          <p:cNvSpPr>
-            <a:spLocks noGrp="1"/>
-          </p:cNvSpPr>
-          <p:nvPr>
-            <p:ph type="title"/>
-          </p:nvPr>
-        </p:nvSpPr>
-        <p:spPr/>
-        <p:txBody>
-          <a:bodyPr/>
-          <a:lstStyle/>
-          <a:p>
-            <a:r>
-              <a:rPr lang="en-US" altLang="en-US" dirty="0" smtClean="0"/>
-              <a:t> Unique Value Added</a:t>
-            </a:r>
-          </a:p>
-        </p:txBody>
-      </p:sp>
-      <p:sp>
-        <p:nvSpPr>
-          <p:cNvPr id="27650" name="Content Placeholder 2"/>
-          <p:cNvSpPr>
-            <a:spLocks noGrp="1"/>
-          </p:cNvSpPr>
-          <p:nvPr>
-            <p:ph idx="1"/>
-          </p:nvPr>
-        </p:nvSpPr>
-        <p:spPr/>
-        <p:txBody>
-          <a:bodyPr>
-            <a:normAutofit/>
-          </a:bodyPr>
-          <a:lstStyle/>
-          <a:p>
-            <a:pPr algn="ctr">
-              <a:spcBef>
-                <a:spcPts val="0"/>
-              </a:spcBef>
-            </a:pPr>
-            <a:r>
-              <a:rPr lang="en-US" altLang="en-US" sz="4000" dirty="0" smtClean="0"/>
-              <a:t>With </a:t>
-            </a:r>
-            <a:r>
-              <a:rPr lang="en-US" altLang="en-US" sz="4000" b="1" dirty="0" smtClean="0"/>
-              <a:t>minimal overhead</a:t>
-            </a:r>
-            <a:r>
-              <a:rPr lang="en-US" altLang="en-US" sz="4000" dirty="0" smtClean="0"/>
-              <a:t>, </a:t>
-            </a:r>
-          </a:p>
-          <a:p>
-            <a:pPr algn="ctr">
-              <a:spcBef>
-                <a:spcPts val="0"/>
-              </a:spcBef>
-            </a:pPr>
-            <a:r>
-              <a:rPr lang="en-US" altLang="en-US" sz="4000" dirty="0" smtClean="0"/>
-              <a:t>community stakeholders </a:t>
-            </a:r>
-            <a:r>
-              <a:rPr lang="en-US" altLang="en-US" sz="4000" dirty="0"/>
-              <a:t>can </a:t>
-            </a:r>
-            <a:r>
-              <a:rPr lang="en-US" altLang="en-US" sz="4000" dirty="0" smtClean="0"/>
-              <a:t>provide visitors with a </a:t>
-            </a:r>
-            <a:r>
-              <a:rPr lang="en-US" altLang="en-US" sz="4000" b="1" dirty="0" smtClean="0"/>
-              <a:t>location-driven, </a:t>
-            </a:r>
-            <a:r>
-              <a:rPr lang="en-US" altLang="en-US" sz="4000" b="1" dirty="0" smtClean="0"/>
-              <a:t>preference-driven, c</a:t>
-            </a:r>
-            <a:r>
-              <a:rPr lang="en-US" altLang="en-US" sz="4000" b="1" dirty="0" smtClean="0"/>
-              <a:t>urated experience. </a:t>
-            </a:r>
-            <a:endParaRPr lang="en-US" altLang="en-US" sz="1800" b="1" dirty="0" smtClean="0"/>
-          </a:p>
-        </p:txBody>
-      </p:sp>
-    </p:spTree>
-  </p:cSld>
-  <p:clrMapOvr>
-    <a:masterClrMapping/>
-  </p:clrMapOvr>
-  <p:timing>
-    <p:tnLst>
-      <p:par>
-        <p:cTn xmlns:p14="http://schemas.microsoft.com/office/powerpoint/2010/main" id="1" dur="indefinite" restart="never" nodeType="tmRoot"/>
-      </p:par>
-    </p:tnLst>
-  </p:timing>
-</p:sld>
-</file>
-
-<file path=ppt/slides/slide14.xml><?xml version="1.0" encoding="utf-8"?>
-<p:sld xmlns:a="http://schemas.openxmlformats.org/drawingml/2006/main" xmlns:r="http://schemas.openxmlformats.org/officeDocument/2006/relationships" xmlns:p="http://schemas.openxmlformats.org/presentationml/2006/main">
-  <p:cSld>
-    <p:spTree>
-      <p:nvGrpSpPr>
-        <p:cNvPr id="1" name=""/>
-        <p:cNvGrpSpPr/>
-        <p:nvPr/>
-      </p:nvGrpSpPr>
-      <p:grpSpPr>
-        <a:xfrm>
-          <a:off x="0" y="0"/>
-          <a:ext cx="0" cy="0"/>
-          <a:chOff x="0" y="0"/>
-          <a:chExt cx="0" cy="0"/>
-        </a:xfrm>
-      </p:grpSpPr>
-      <p:sp>
-        <p:nvSpPr>
           <p:cNvPr id="2" name="Title 1"/>
           <p:cNvSpPr>
             <a:spLocks noGrp="1"/>
@@ -8657,7 +8269,7 @@
 </p:sld>
 </file>
 
-<file path=ppt/slides/slide15.xml><?xml version="1.0" encoding="utf-8"?>
+<file path=ppt/slides/slide14.xml><?xml version="1.0" encoding="utf-8"?>
 <p:sld xmlns:a="http://schemas.openxmlformats.org/drawingml/2006/main" xmlns:r="http://schemas.openxmlformats.org/officeDocument/2006/relationships" xmlns:p="http://schemas.openxmlformats.org/presentationml/2006/main">
   <p:cSld>
     <p:spTree>
@@ -9975,7 +9587,7 @@
             </a:r>
             <a:r>
               <a:rPr lang="en-US" sz="4000" dirty="0" smtClean="0"/>
-              <a:t> is web and mobile app where visitors can find and take </a:t>
+              <a:t> is web and mobile app that lets visitors find and take </a:t>
             </a:r>
             <a:r>
               <a:rPr lang="en-US" sz="4000" b="1" dirty="0" smtClean="0"/>
@@ -10035,16 +9647,30 @@
             <p:ph type="title"/>
           </p:nvPr>
         </p:nvSpPr>
-        <p:spPr/>
-        <p:txBody>
-          <a:bodyPr/>
+        <p:spPr>
+          <a:xfrm>
+            <a:off x="164638" y="23517"/>
+            <a:ext cx="9102105" cy="1246483"/>
+          </a:xfrm>
+        </p:spPr>
+        <p:txBody>
+          <a:bodyPr>
+            <a:normAutofit/>
+          </a:bodyPr>
           <a:lstStyle/>
           <a:p>
             <a:r>
               <a:rPr lang="en-US" dirty="0" smtClean="0"/>
               <a:t>Community Stakeholders</a:t>
             </a:r>
-            <a:endParaRPr lang="en-US" dirty="0"/>
+            <a:br>
+              <a:rPr lang="en-US" dirty="0" smtClean="0"/>
+            </a:br>
+            <a:r>
+              <a:rPr lang="en-US" sz="3200" i="1" dirty="0" smtClean="0"/>
+              <a:t>(Content Creators)</a:t>
+            </a:r>
+            <a:endParaRPr lang="en-US" sz="3200" i="1" dirty="0"/>
           </a:p>
         </p:txBody>
       </p:sp>
@@ -10058,7 +9684,12 @@
             <p:ph idx="1"/>
           </p:nvPr>
         </p:nvSpPr>
-        <p:spPr/>
+        <p:spPr>
+          <a:xfrm>
+            <a:off x="1097280" y="2168768"/>
+            <a:ext cx="10058400" cy="3700325"/>
+          </a:xfrm>
+        </p:spPr>
         <p:txBody>
           <a:bodyPr/>
           <a:lstStyle/>
@@ -10157,16 +9788,34 @@
             <p:ph type="title"/>
           </p:nvPr>
         </p:nvSpPr>
-        <p:spPr/>
-        <p:txBody>
-          <a:bodyPr/>
+        <p:spPr>
+          <a:xfrm>
+            <a:off x="164638" y="23517"/>
+            <a:ext cx="9102105" cy="1305097"/>
+          </a:xfrm>
+        </p:spPr>
+        <p:txBody>
+          <a:bodyPr>
+            <a:normAutofit/>
+          </a:bodyPr>
           <a:lstStyle/>
           <a:p>
             <a:r>
               <a:rPr lang="en-US" dirty="0" smtClean="0"/>
-              <a:t>Visitors (End Users) </a:t>
-            </a:r>
-            <a:endParaRPr lang="en-US" dirty="0"/>
+              <a:t>Visitors </a:t>
+            </a:r>
+            <a:br>
+              <a:rPr lang="en-US" dirty="0" smtClean="0"/>
+            </a:br>
+            <a:r>
+              <a:rPr lang="en-US" sz="3600" i="1" dirty="0" smtClean="0"/>
+              <a:t>(</a:t>
+            </a:r>
+            <a:r>
+              <a:rPr lang="en-US" sz="3200" i="1" dirty="0" smtClean="0"/>
+              <a:t>End Users) </a:t>
+            </a:r>
+            <a:endParaRPr lang="en-US" sz="3200" i="1" dirty="0"/>
           </a:p>
         </p:txBody>
       </p:sp>
@@ -10180,7 +9829,12 @@
             <p:ph idx="1"/>
           </p:nvPr>
         </p:nvSpPr>
-        <p:spPr/>
+        <p:spPr>
+          <a:xfrm>
+            <a:off x="1097280" y="2286000"/>
+            <a:ext cx="10058400" cy="3583094"/>
+          </a:xfrm>
+        </p:spPr>
         <p:txBody>
           <a:bodyPr/>
           <a:lstStyle/>

--- a/Touricana RHH Presentation FINAL.pptx
+++ b/Touricana RHH Presentation FINAL.pptx
@@ -2173,16 +2173,27 @@
           <a:bodyPr/>
           <a:lstStyle/>
           <a:p>
-            <a:pPr marL="0" indent="0">
+            <a:pPr marL="0" indent="0" algn="ctr">
               <a:buNone/>
             </a:pPr>
-            <a:endParaRPr lang="en-US" altLang="en-US" dirty="0" smtClean="0"/>
-          </a:p>
-          <a:p>
-            <a:pPr marL="0" indent="0">
+            <a:r>
+              <a:rPr lang="en-US" sz="1000" dirty="0" smtClean="0"/>
+              <a:t>How can we connect more visitors to a town to</a:t>
+            </a:r>
+          </a:p>
+          <a:p>
+            <a:pPr marL="0" indent="0" algn="ctr">
               <a:buNone/>
             </a:pPr>
-            <a:endParaRPr lang="en-US" altLang="en-US" dirty="0" smtClean="0"/>
+            <a:r>
+              <a:rPr lang="en-US" sz="1000" dirty="0" smtClean="0"/>
+              <a:t>meaningful experiences in that community that will keep them in (and hopefully returning to)</a:t>
+            </a:r>
+            <a:r>
+              <a:rPr lang="en-US" sz="1000" baseline="0" dirty="0" smtClean="0"/>
+              <a:t> that place?</a:t>
+            </a:r>
+            <a:endParaRPr lang="en-US" altLang="en-US" sz="1000" dirty="0" smtClean="0"/>
           </a:p>
           <a:p>
             <a:pPr marL="0" indent="0">
